--- a/final_project/test.pptx
+++ b/final_project/test.pptx
@@ -9,8 +9,9 @@
     <p:sldId id="257" r:id="rId3"/>
     <p:sldId id="258" r:id="rId4"/>
     <p:sldId id="259" r:id="rId5"/>
-    <p:sldId id="260" r:id="rId6"/>
-    <p:sldId id="261" r:id="rId7"/>
+    <p:sldId id="262" r:id="rId6"/>
+    <p:sldId id="260" r:id="rId7"/>
+    <p:sldId id="261" r:id="rId8"/>
   </p:sldIdLst>
   <p:sldSz cx="12192000" cy="6858000"/>
   <p:notesSz cx="6858000" cy="9144000"/>
@@ -264,7 +265,7 @@
           <a:p>
             <a:fld id="{ABA5376E-435E-E84A-8F8A-62A6FCF60810}" type="datetimeFigureOut">
               <a:rPr kumimoji="1" lang="zh-TW" altLang="en-US" smtClean="0"/>
-              <a:t>2025/3/29</a:t>
+              <a:t>2025/4/3</a:t>
             </a:fld>
             <a:endParaRPr kumimoji="1" lang="zh-TW" altLang="en-US"/>
           </a:p>
@@ -462,7 +463,7 @@
           <a:p>
             <a:fld id="{ABA5376E-435E-E84A-8F8A-62A6FCF60810}" type="datetimeFigureOut">
               <a:rPr kumimoji="1" lang="zh-TW" altLang="en-US" smtClean="0"/>
-              <a:t>2025/3/29</a:t>
+              <a:t>2025/4/3</a:t>
             </a:fld>
             <a:endParaRPr kumimoji="1" lang="zh-TW" altLang="en-US"/>
           </a:p>
@@ -670,7 +671,7 @@
           <a:p>
             <a:fld id="{ABA5376E-435E-E84A-8F8A-62A6FCF60810}" type="datetimeFigureOut">
               <a:rPr kumimoji="1" lang="zh-TW" altLang="en-US" smtClean="0"/>
-              <a:t>2025/3/29</a:t>
+              <a:t>2025/4/3</a:t>
             </a:fld>
             <a:endParaRPr kumimoji="1" lang="zh-TW" altLang="en-US"/>
           </a:p>
@@ -868,7 +869,7 @@
           <a:p>
             <a:fld id="{ABA5376E-435E-E84A-8F8A-62A6FCF60810}" type="datetimeFigureOut">
               <a:rPr kumimoji="1" lang="zh-TW" altLang="en-US" smtClean="0"/>
-              <a:t>2025/3/29</a:t>
+              <a:t>2025/4/3</a:t>
             </a:fld>
             <a:endParaRPr kumimoji="1" lang="zh-TW" altLang="en-US"/>
           </a:p>
@@ -1143,7 +1144,7 @@
           <a:p>
             <a:fld id="{ABA5376E-435E-E84A-8F8A-62A6FCF60810}" type="datetimeFigureOut">
               <a:rPr kumimoji="1" lang="zh-TW" altLang="en-US" smtClean="0"/>
-              <a:t>2025/3/29</a:t>
+              <a:t>2025/4/3</a:t>
             </a:fld>
             <a:endParaRPr kumimoji="1" lang="zh-TW" altLang="en-US"/>
           </a:p>
@@ -1408,7 +1409,7 @@
           <a:p>
             <a:fld id="{ABA5376E-435E-E84A-8F8A-62A6FCF60810}" type="datetimeFigureOut">
               <a:rPr kumimoji="1" lang="zh-TW" altLang="en-US" smtClean="0"/>
-              <a:t>2025/3/29</a:t>
+              <a:t>2025/4/3</a:t>
             </a:fld>
             <a:endParaRPr kumimoji="1" lang="zh-TW" altLang="en-US"/>
           </a:p>
@@ -1820,7 +1821,7 @@
           <a:p>
             <a:fld id="{ABA5376E-435E-E84A-8F8A-62A6FCF60810}" type="datetimeFigureOut">
               <a:rPr kumimoji="1" lang="zh-TW" altLang="en-US" smtClean="0"/>
-              <a:t>2025/3/29</a:t>
+              <a:t>2025/4/3</a:t>
             </a:fld>
             <a:endParaRPr kumimoji="1" lang="zh-TW" altLang="en-US"/>
           </a:p>
@@ -1961,7 +1962,7 @@
           <a:p>
             <a:fld id="{ABA5376E-435E-E84A-8F8A-62A6FCF60810}" type="datetimeFigureOut">
               <a:rPr kumimoji="1" lang="zh-TW" altLang="en-US" smtClean="0"/>
-              <a:t>2025/3/29</a:t>
+              <a:t>2025/4/3</a:t>
             </a:fld>
             <a:endParaRPr kumimoji="1" lang="zh-TW" altLang="en-US"/>
           </a:p>
@@ -2074,7 +2075,7 @@
           <a:p>
             <a:fld id="{ABA5376E-435E-E84A-8F8A-62A6FCF60810}" type="datetimeFigureOut">
               <a:rPr kumimoji="1" lang="zh-TW" altLang="en-US" smtClean="0"/>
-              <a:t>2025/3/29</a:t>
+              <a:t>2025/4/3</a:t>
             </a:fld>
             <a:endParaRPr kumimoji="1" lang="zh-TW" altLang="en-US"/>
           </a:p>
@@ -2385,7 +2386,7 @@
           <a:p>
             <a:fld id="{ABA5376E-435E-E84A-8F8A-62A6FCF60810}" type="datetimeFigureOut">
               <a:rPr kumimoji="1" lang="zh-TW" altLang="en-US" smtClean="0"/>
-              <a:t>2025/3/29</a:t>
+              <a:t>2025/4/3</a:t>
             </a:fld>
             <a:endParaRPr kumimoji="1" lang="zh-TW" altLang="en-US"/>
           </a:p>
@@ -2673,7 +2674,7 @@
           <a:p>
             <a:fld id="{ABA5376E-435E-E84A-8F8A-62A6FCF60810}" type="datetimeFigureOut">
               <a:rPr kumimoji="1" lang="zh-TW" altLang="en-US" smtClean="0"/>
-              <a:t>2025/3/29</a:t>
+              <a:t>2025/4/3</a:t>
             </a:fld>
             <a:endParaRPr kumimoji="1" lang="zh-TW" altLang="en-US"/>
           </a:p>
@@ -2914,7 +2915,7 @@
           <a:p>
             <a:fld id="{ABA5376E-435E-E84A-8F8A-62A6FCF60810}" type="datetimeFigureOut">
               <a:rPr kumimoji="1" lang="zh-TW" altLang="en-US" smtClean="0"/>
-              <a:t>2025/3/29</a:t>
+              <a:t>2025/4/3</a:t>
             </a:fld>
             <a:endParaRPr kumimoji="1" lang="zh-TW" altLang="en-US"/>
           </a:p>
@@ -3858,8 +3859,8 @@
                 </a:fontRef>
               </p:style>
             </p:cxnSp>
-            <mc:AlternateContent xmlns:mc="http://schemas.openxmlformats.org/markup-compatibility/2006">
-              <mc:Choice xmlns:a14="http://schemas.microsoft.com/office/drawing/2010/main" Requires="a14">
+            <mc:AlternateContent xmlns:mc="http://schemas.openxmlformats.org/markup-compatibility/2006" xmlns:a14="http://schemas.microsoft.com/office/drawing/2010/main">
+              <mc:Choice Requires="a14">
                 <p:sp>
                   <p:nvSpPr>
                     <p:cNvPr id="55" name="文字方塊 54">
@@ -3888,6 +3889,7 @@
                     </a:bodyPr>
                     <a:lstStyle/>
                     <a:p>
+                      <a:pPr/>
                       <a14:m>
                         <m:oMathPara xmlns:m="http://schemas.openxmlformats.org/officeDocument/2006/math">
                           <m:oMathParaPr>
@@ -3927,7 +3929,7 @@
                   </p:txBody>
                 </p:sp>
               </mc:Choice>
-              <mc:Fallback>
+              <mc:Fallback xmlns="">
                 <p:sp>
                   <p:nvSpPr>
                     <p:cNvPr id="55" name="文字方塊 54">
@@ -3972,8 +3974,8 @@
                 </p:sp>
               </mc:Fallback>
             </mc:AlternateContent>
-            <mc:AlternateContent xmlns:mc="http://schemas.openxmlformats.org/markup-compatibility/2006">
-              <mc:Choice xmlns:a14="http://schemas.microsoft.com/office/drawing/2010/main" Requires="a14">
+            <mc:AlternateContent xmlns:mc="http://schemas.openxmlformats.org/markup-compatibility/2006" xmlns:a14="http://schemas.microsoft.com/office/drawing/2010/main">
+              <mc:Choice Requires="a14">
                 <p:sp>
                   <p:nvSpPr>
                     <p:cNvPr id="56" name="文字方塊 55">
@@ -4002,6 +4004,7 @@
                     </a:bodyPr>
                     <a:lstStyle/>
                     <a:p>
+                      <a:pPr/>
                       <a14:m>
                         <m:oMathPara xmlns:m="http://schemas.openxmlformats.org/officeDocument/2006/math">
                           <m:oMathParaPr>
@@ -4041,7 +4044,7 @@
                   </p:txBody>
                 </p:sp>
               </mc:Choice>
-              <mc:Fallback>
+              <mc:Fallback xmlns="">
                 <p:sp>
                   <p:nvSpPr>
                     <p:cNvPr id="56" name="文字方塊 55">
@@ -4142,8 +4145,8 @@
                 </a:p>
               </p:txBody>
             </p:sp>
-            <mc:AlternateContent xmlns:mc="http://schemas.openxmlformats.org/markup-compatibility/2006">
-              <mc:Choice xmlns:a14="http://schemas.microsoft.com/office/drawing/2010/main" Requires="a14">
+            <mc:AlternateContent xmlns:mc="http://schemas.openxmlformats.org/markup-compatibility/2006" xmlns:a14="http://schemas.microsoft.com/office/drawing/2010/main">
+              <mc:Choice Requires="a14">
                 <p:sp>
                   <p:nvSpPr>
                     <p:cNvPr id="58" name="文字方塊 57">
@@ -4172,6 +4175,7 @@
                     </a:bodyPr>
                     <a:lstStyle/>
                     <a:p>
+                      <a:pPr/>
                       <a14:m>
                         <m:oMathPara xmlns:m="http://schemas.openxmlformats.org/officeDocument/2006/math">
                           <m:oMathParaPr>
@@ -4193,7 +4197,7 @@
                   </p:txBody>
                 </p:sp>
               </mc:Choice>
-              <mc:Fallback>
+              <mc:Fallback xmlns="">
                 <p:sp>
                   <p:nvSpPr>
                     <p:cNvPr id="58" name="文字方塊 57">
@@ -5395,8 +5399,8 @@
               </p:txBody>
             </p:sp>
           </p:grpSp>
-          <mc:AlternateContent xmlns:mc="http://schemas.openxmlformats.org/markup-compatibility/2006">
-            <mc:Choice xmlns:a14="http://schemas.microsoft.com/office/drawing/2010/main" Requires="a14">
+          <mc:AlternateContent xmlns:mc="http://schemas.openxmlformats.org/markup-compatibility/2006" xmlns:a14="http://schemas.microsoft.com/office/drawing/2010/main">
+            <mc:Choice Requires="a14">
               <p:sp>
                 <p:nvSpPr>
                   <p:cNvPr id="12" name="文字方塊 11">
@@ -5425,6 +5429,7 @@
                   </a:bodyPr>
                   <a:lstStyle/>
                   <a:p>
+                    <a:pPr/>
                     <a14:m>
                       <m:oMathPara xmlns:m="http://schemas.openxmlformats.org/officeDocument/2006/math">
                         <m:oMathParaPr>
@@ -5464,7 +5469,7 @@
                 </p:txBody>
               </p:sp>
             </mc:Choice>
-            <mc:Fallback>
+            <mc:Fallback xmlns="">
               <p:sp>
                 <p:nvSpPr>
                   <p:cNvPr id="12" name="文字方塊 11">
@@ -5509,8 +5514,8 @@
               </p:sp>
             </mc:Fallback>
           </mc:AlternateContent>
-          <mc:AlternateContent xmlns:mc="http://schemas.openxmlformats.org/markup-compatibility/2006">
-            <mc:Choice xmlns:a14="http://schemas.microsoft.com/office/drawing/2010/main" Requires="a14">
+          <mc:AlternateContent xmlns:mc="http://schemas.openxmlformats.org/markup-compatibility/2006" xmlns:a14="http://schemas.microsoft.com/office/drawing/2010/main">
+            <mc:Choice Requires="a14">
               <p:sp>
                 <p:nvSpPr>
                   <p:cNvPr id="13" name="文字方塊 12">
@@ -5539,6 +5544,7 @@
                   </a:bodyPr>
                   <a:lstStyle/>
                   <a:p>
+                    <a:pPr/>
                     <a14:m>
                       <m:oMathPara xmlns:m="http://schemas.openxmlformats.org/officeDocument/2006/math">
                         <m:oMathParaPr>
@@ -5578,7 +5584,7 @@
                 </p:txBody>
               </p:sp>
             </mc:Choice>
-            <mc:Fallback>
+            <mc:Fallback xmlns="">
               <p:sp>
                 <p:nvSpPr>
                   <p:cNvPr id="13" name="文字方塊 12">
@@ -5623,8 +5629,8 @@
               </p:sp>
             </mc:Fallback>
           </mc:AlternateContent>
-          <mc:AlternateContent xmlns:mc="http://schemas.openxmlformats.org/markup-compatibility/2006">
-            <mc:Choice xmlns:a14="http://schemas.microsoft.com/office/drawing/2010/main" Requires="a14">
+          <mc:AlternateContent xmlns:mc="http://schemas.openxmlformats.org/markup-compatibility/2006" xmlns:a14="http://schemas.microsoft.com/office/drawing/2010/main">
+            <mc:Choice Requires="a14">
               <p:sp>
                 <p:nvSpPr>
                   <p:cNvPr id="14" name="文字方塊 13">
@@ -5653,6 +5659,7 @@
                   </a:bodyPr>
                   <a:lstStyle/>
                   <a:p>
+                    <a:pPr/>
                     <a14:m>
                       <m:oMathPara xmlns:m="http://schemas.openxmlformats.org/officeDocument/2006/math">
                         <m:oMathParaPr>
@@ -5692,7 +5699,7 @@
                 </p:txBody>
               </p:sp>
             </mc:Choice>
-            <mc:Fallback>
+            <mc:Fallback xmlns="">
               <p:sp>
                 <p:nvSpPr>
                   <p:cNvPr id="14" name="文字方塊 13">
@@ -5737,8 +5744,8 @@
               </p:sp>
             </mc:Fallback>
           </mc:AlternateContent>
-          <mc:AlternateContent xmlns:mc="http://schemas.openxmlformats.org/markup-compatibility/2006">
-            <mc:Choice xmlns:a14="http://schemas.microsoft.com/office/drawing/2010/main" Requires="a14">
+          <mc:AlternateContent xmlns:mc="http://schemas.openxmlformats.org/markup-compatibility/2006" xmlns:a14="http://schemas.microsoft.com/office/drawing/2010/main">
+            <mc:Choice Requires="a14">
               <p:sp>
                 <p:nvSpPr>
                   <p:cNvPr id="15" name="文字方塊 14">
@@ -5767,6 +5774,7 @@
                   </a:bodyPr>
                   <a:lstStyle/>
                   <a:p>
+                    <a:pPr/>
                     <a14:m>
                       <m:oMathPara xmlns:m="http://schemas.openxmlformats.org/officeDocument/2006/math">
                         <m:oMathParaPr>
@@ -5806,7 +5814,7 @@
                 </p:txBody>
               </p:sp>
             </mc:Choice>
-            <mc:Fallback>
+            <mc:Fallback xmlns="">
               <p:sp>
                 <p:nvSpPr>
                   <p:cNvPr id="15" name="文字方塊 14">
@@ -5851,8 +5859,8 @@
               </p:sp>
             </mc:Fallback>
           </mc:AlternateContent>
-          <mc:AlternateContent xmlns:mc="http://schemas.openxmlformats.org/markup-compatibility/2006">
-            <mc:Choice xmlns:a14="http://schemas.microsoft.com/office/drawing/2010/main" Requires="a14">
+          <mc:AlternateContent xmlns:mc="http://schemas.openxmlformats.org/markup-compatibility/2006" xmlns:a14="http://schemas.microsoft.com/office/drawing/2010/main">
+            <mc:Choice Requires="a14">
               <p:sp>
                 <p:nvSpPr>
                   <p:cNvPr id="16" name="文字方塊 15">
@@ -5881,6 +5889,7 @@
                   </a:bodyPr>
                   <a:lstStyle/>
                   <a:p>
+                    <a:pPr/>
                     <a14:m>
                       <m:oMathPara xmlns:m="http://schemas.openxmlformats.org/officeDocument/2006/math">
                         <m:oMathParaPr>
@@ -5921,7 +5930,7 @@
                 </p:txBody>
               </p:sp>
             </mc:Choice>
-            <mc:Fallback>
+            <mc:Fallback xmlns="">
               <p:sp>
                 <p:nvSpPr>
                   <p:cNvPr id="16" name="文字方塊 15">
@@ -5966,8 +5975,8 @@
               </p:sp>
             </mc:Fallback>
           </mc:AlternateContent>
-          <mc:AlternateContent xmlns:mc="http://schemas.openxmlformats.org/markup-compatibility/2006">
-            <mc:Choice xmlns:a14="http://schemas.microsoft.com/office/drawing/2010/main" Requires="a14">
+          <mc:AlternateContent xmlns:mc="http://schemas.openxmlformats.org/markup-compatibility/2006" xmlns:a14="http://schemas.microsoft.com/office/drawing/2010/main">
+            <mc:Choice Requires="a14">
               <p:sp>
                 <p:nvSpPr>
                   <p:cNvPr id="17" name="文字方塊 16">
@@ -5996,6 +6005,7 @@
                   </a:bodyPr>
                   <a:lstStyle/>
                   <a:p>
+                    <a:pPr/>
                     <a14:m>
                       <m:oMathPara xmlns:m="http://schemas.openxmlformats.org/officeDocument/2006/math">
                         <m:oMathParaPr>
@@ -6036,7 +6046,7 @@
                 </p:txBody>
               </p:sp>
             </mc:Choice>
-            <mc:Fallback>
+            <mc:Fallback xmlns="">
               <p:sp>
                 <p:nvSpPr>
                   <p:cNvPr id="17" name="文字方塊 16">
@@ -6165,7 +6175,7 @@
         </p:nvGrpSpPr>
         <p:grpSpPr>
           <a:xfrm>
-            <a:off x="1701990" y="-377350"/>
+            <a:off x="1728609" y="194150"/>
             <a:ext cx="8734781" cy="7964860"/>
             <a:chOff x="1701990" y="-377350"/>
             <a:chExt cx="8734781" cy="7964860"/>
@@ -7258,6 +7268,237 @@
   <p:cSld>
     <p:spTree>
       <p:nvGrpSpPr>
+        <p:cNvPr id="1" name="">
+          <a:extLst>
+            <a:ext uri="{FF2B5EF4-FFF2-40B4-BE49-F238E27FC236}">
+              <a16:creationId xmlns:a16="http://schemas.microsoft.com/office/drawing/2014/main" id="{5C952143-91D1-91FB-3F61-31B470619B64}"/>
+            </a:ext>
+          </a:extLst>
+        </p:cNvPr>
+        <p:cNvGrpSpPr/>
+        <p:nvPr/>
+      </p:nvGrpSpPr>
+      <p:grpSpPr>
+        <a:xfrm>
+          <a:off x="0" y="0"/>
+          <a:ext cx="0" cy="0"/>
+          <a:chOff x="0" y="0"/>
+          <a:chExt cx="0" cy="0"/>
+        </a:xfrm>
+      </p:grpSpPr>
+      <p:sp>
+        <p:nvSpPr>
+          <p:cNvPr id="5" name="不規則四邊形 4">
+            <a:extLst>
+              <a:ext uri="{FF2B5EF4-FFF2-40B4-BE49-F238E27FC236}">
+                <a16:creationId xmlns:a16="http://schemas.microsoft.com/office/drawing/2014/main" id="{CBF98FE3-3C00-DE9A-DF61-FB4B93654039}"/>
+              </a:ext>
+            </a:extLst>
+          </p:cNvPr>
+          <p:cNvSpPr/>
+          <p:nvPr/>
+        </p:nvSpPr>
+        <p:spPr>
+          <a:xfrm flipV="1">
+            <a:off x="2161238" y="755932"/>
+            <a:ext cx="7869523" cy="5140624"/>
+          </a:xfrm>
+          <a:prstGeom prst="trapezoid">
+            <a:avLst>
+              <a:gd name="adj" fmla="val 0"/>
+            </a:avLst>
+          </a:prstGeom>
+          <a:solidFill>
+            <a:schemeClr val="tx1"/>
+          </a:solidFill>
+          <a:ln>
+            <a:noFill/>
+          </a:ln>
+        </p:spPr>
+        <p:style>
+          <a:lnRef idx="2">
+            <a:schemeClr val="accent1">
+              <a:shade val="15000"/>
+            </a:schemeClr>
+          </a:lnRef>
+          <a:fillRef idx="1">
+            <a:schemeClr val="accent1"/>
+          </a:fillRef>
+          <a:effectRef idx="0">
+            <a:schemeClr val="accent1"/>
+          </a:effectRef>
+          <a:fontRef idx="minor">
+            <a:schemeClr val="lt1"/>
+          </a:fontRef>
+        </p:style>
+        <p:txBody>
+          <a:bodyPr rtlCol="0" anchor="ctr"/>
+          <a:lstStyle/>
+          <a:p>
+            <a:pPr algn="ctr"/>
+            <a:endParaRPr kumimoji="1" lang="zh-TW" altLang="en-US"/>
+          </a:p>
+        </p:txBody>
+      </p:sp>
+      <p:sp>
+        <p:nvSpPr>
+          <p:cNvPr id="6" name="手繪多邊形 5">
+            <a:extLst>
+              <a:ext uri="{FF2B5EF4-FFF2-40B4-BE49-F238E27FC236}">
+                <a16:creationId xmlns:a16="http://schemas.microsoft.com/office/drawing/2014/main" id="{B7B1EA9D-04E7-F444-75F6-C24712AFECA8}"/>
+              </a:ext>
+            </a:extLst>
+          </p:cNvPr>
+          <p:cNvSpPr/>
+          <p:nvPr/>
+        </p:nvSpPr>
+        <p:spPr>
+          <a:xfrm rot="20553750">
+            <a:off x="4629341" y="936565"/>
+            <a:ext cx="2227305" cy="4735069"/>
+          </a:xfrm>
+          <a:custGeom>
+            <a:avLst/>
+            <a:gdLst>
+              <a:gd name="connsiteX0" fmla="*/ 49417 w 1117319"/>
+              <a:gd name="connsiteY0" fmla="*/ 4560570 h 4560570"/>
+              <a:gd name="connsiteX1" fmla="*/ 117997 w 1117319"/>
+              <a:gd name="connsiteY1" fmla="*/ 2800350 h 4560570"/>
+              <a:gd name="connsiteX2" fmla="*/ 1078117 w 1117319"/>
+              <a:gd name="connsiteY2" fmla="*/ 1188720 h 4560570"/>
+              <a:gd name="connsiteX3" fmla="*/ 918097 w 1117319"/>
+              <a:gd name="connsiteY3" fmla="*/ 0 h 4560570"/>
+            </a:gdLst>
+            <a:ahLst/>
+            <a:cxnLst>
+              <a:cxn ang="0">
+                <a:pos x="connsiteX0" y="connsiteY0"/>
+              </a:cxn>
+              <a:cxn ang="0">
+                <a:pos x="connsiteX1" y="connsiteY1"/>
+              </a:cxn>
+              <a:cxn ang="0">
+                <a:pos x="connsiteX2" y="connsiteY2"/>
+              </a:cxn>
+              <a:cxn ang="0">
+                <a:pos x="connsiteX3" y="connsiteY3"/>
+              </a:cxn>
+            </a:cxnLst>
+            <a:rect l="l" t="t" r="r" b="b"/>
+            <a:pathLst>
+              <a:path w="1117319" h="4560570">
+                <a:moveTo>
+                  <a:pt x="49417" y="4560570"/>
+                </a:moveTo>
+                <a:cubicBezTo>
+                  <a:pt x="-2018" y="3961447"/>
+                  <a:pt x="-53453" y="3362325"/>
+                  <a:pt x="117997" y="2800350"/>
+                </a:cubicBezTo>
+                <a:cubicBezTo>
+                  <a:pt x="289447" y="2238375"/>
+                  <a:pt x="944767" y="1655445"/>
+                  <a:pt x="1078117" y="1188720"/>
+                </a:cubicBezTo>
+                <a:cubicBezTo>
+                  <a:pt x="1211467" y="721995"/>
+                  <a:pt x="965722" y="243840"/>
+                  <a:pt x="918097" y="0"/>
+                </a:cubicBezTo>
+              </a:path>
+            </a:pathLst>
+          </a:custGeom>
+          <a:noFill/>
+          <a:ln w="50800">
+            <a:solidFill>
+              <a:schemeClr val="bg1"/>
+            </a:solidFill>
+          </a:ln>
+        </p:spPr>
+        <p:style>
+          <a:lnRef idx="2">
+            <a:schemeClr val="accent1">
+              <a:shade val="15000"/>
+            </a:schemeClr>
+          </a:lnRef>
+          <a:fillRef idx="1">
+            <a:schemeClr val="accent1"/>
+          </a:fillRef>
+          <a:effectRef idx="0">
+            <a:schemeClr val="accent1"/>
+          </a:effectRef>
+          <a:fontRef idx="minor">
+            <a:schemeClr val="lt1"/>
+          </a:fontRef>
+        </p:style>
+        <p:txBody>
+          <a:bodyPr rtlCol="0" anchor="ctr"/>
+          <a:lstStyle/>
+          <a:p>
+            <a:pPr algn="ctr"/>
+            <a:endParaRPr kumimoji="1" lang="zh-TW" altLang="en-US" dirty="0"/>
+          </a:p>
+        </p:txBody>
+      </p:sp>
+      <p:sp>
+        <p:nvSpPr>
+          <p:cNvPr id="20" name="文字方塊 19">
+            <a:extLst>
+              <a:ext uri="{FF2B5EF4-FFF2-40B4-BE49-F238E27FC236}">
+                <a16:creationId xmlns:a16="http://schemas.microsoft.com/office/drawing/2014/main" id="{47587766-3A10-B622-D140-85FF91679EA3}"/>
+              </a:ext>
+            </a:extLst>
+          </p:cNvPr>
+          <p:cNvSpPr txBox="1"/>
+          <p:nvPr/>
+        </p:nvSpPr>
+        <p:spPr>
+          <a:xfrm>
+            <a:off x="2543240" y="904312"/>
+            <a:ext cx="1846659" cy="369332"/>
+          </a:xfrm>
+          <a:prstGeom prst="rect">
+            <a:avLst/>
+          </a:prstGeom>
+          <a:noFill/>
+        </p:spPr>
+        <p:txBody>
+          <a:bodyPr wrap="none" lIns="0" tIns="0" rIns="0" bIns="0" rtlCol="0">
+            <a:spAutoFit/>
+          </a:bodyPr>
+          <a:lstStyle/>
+          <a:p>
+            <a:r>
+              <a:rPr kumimoji="1" lang="zh-TW" altLang="en-US" sz="2400" dirty="0">
+                <a:solidFill>
+                  <a:schemeClr val="bg1"/>
+                </a:solidFill>
+                <a:latin typeface="SoukouMincho" panose="02000600000000000000" pitchFamily="2" charset="-128"/>
+                <a:ea typeface="SoukouMincho" panose="02000600000000000000" pitchFamily="2" charset="-128"/>
+              </a:rPr>
+              <a:t>影像拍攝範圍</a:t>
+            </a:r>
+          </a:p>
+        </p:txBody>
+      </p:sp>
+    </p:spTree>
+    <p:extLst>
+      <p:ext uri="{BB962C8B-B14F-4D97-AF65-F5344CB8AC3E}">
+        <p14:creationId xmlns:p14="http://schemas.microsoft.com/office/powerpoint/2010/main" val="1694690804"/>
+      </p:ext>
+    </p:extLst>
+  </p:cSld>
+  <p:clrMapOvr>
+    <a:masterClrMapping/>
+  </p:clrMapOvr>
+</p:sld>
+</file>
+
+<file path=ppt/slides/slide6.xml><?xml version="1.0" encoding="utf-8"?>
+<p:sld xmlns:a="http://schemas.openxmlformats.org/drawingml/2006/main" xmlns:r="http://schemas.openxmlformats.org/officeDocument/2006/relationships" xmlns:p="http://schemas.openxmlformats.org/presentationml/2006/main">
+  <p:cSld>
+    <p:spTree>
+      <p:nvGrpSpPr>
         <p:cNvPr id="1" name=""/>
         <p:cNvGrpSpPr/>
         <p:nvPr/>
@@ -8314,7 +8555,7 @@
 </p:sld>
 </file>
 
-<file path=ppt/slides/slide6.xml><?xml version="1.0" encoding="utf-8"?>
+<file path=ppt/slides/slide7.xml><?xml version="1.0" encoding="utf-8"?>
 <p:sld xmlns:a="http://schemas.openxmlformats.org/drawingml/2006/main" xmlns:r="http://schemas.openxmlformats.org/officeDocument/2006/relationships" xmlns:p="http://schemas.openxmlformats.org/presentationml/2006/main">
   <p:cSld>
     <p:spTree>

--- a/final_project/test.pptx
+++ b/final_project/test.pptx
@@ -5,27 +5,28 @@
     <p:sldMasterId id="2147483648" r:id="rId1"/>
   </p:sldMasterIdLst>
   <p:notesMasterIdLst>
-    <p:notesMasterId r:id="rId20"/>
+    <p:notesMasterId r:id="rId21"/>
   </p:notesMasterIdLst>
   <p:sldIdLst>
     <p:sldId id="256" r:id="rId2"/>
-    <p:sldId id="257" r:id="rId3"/>
-    <p:sldId id="258" r:id="rId4"/>
-    <p:sldId id="259" r:id="rId5"/>
-    <p:sldId id="262" r:id="rId6"/>
-    <p:sldId id="266" r:id="rId7"/>
-    <p:sldId id="267" r:id="rId8"/>
-    <p:sldId id="269" r:id="rId9"/>
-    <p:sldId id="270" r:id="rId10"/>
-    <p:sldId id="271" r:id="rId11"/>
-    <p:sldId id="273" r:id="rId12"/>
-    <p:sldId id="272" r:id="rId13"/>
-    <p:sldId id="268" r:id="rId14"/>
-    <p:sldId id="260" r:id="rId15"/>
-    <p:sldId id="261" r:id="rId16"/>
-    <p:sldId id="263" r:id="rId17"/>
-    <p:sldId id="264" r:id="rId18"/>
-    <p:sldId id="265" r:id="rId19"/>
+    <p:sldId id="274" r:id="rId3"/>
+    <p:sldId id="257" r:id="rId4"/>
+    <p:sldId id="258" r:id="rId5"/>
+    <p:sldId id="259" r:id="rId6"/>
+    <p:sldId id="262" r:id="rId7"/>
+    <p:sldId id="266" r:id="rId8"/>
+    <p:sldId id="267" r:id="rId9"/>
+    <p:sldId id="269" r:id="rId10"/>
+    <p:sldId id="270" r:id="rId11"/>
+    <p:sldId id="271" r:id="rId12"/>
+    <p:sldId id="273" r:id="rId13"/>
+    <p:sldId id="272" r:id="rId14"/>
+    <p:sldId id="268" r:id="rId15"/>
+    <p:sldId id="260" r:id="rId16"/>
+    <p:sldId id="261" r:id="rId17"/>
+    <p:sldId id="263" r:id="rId18"/>
+    <p:sldId id="264" r:id="rId19"/>
+    <p:sldId id="265" r:id="rId20"/>
   </p:sldIdLst>
   <p:sldSz cx="12192000" cy="6858000"/>
   <p:notesSz cx="6858000" cy="9144000"/>
@@ -214,7 +215,7 @@
           <a:p>
             <a:fld id="{282A2DED-0182-844C-A9B2-57A5BF1E70BE}" type="datetimeFigureOut">
               <a:rPr kumimoji="1" lang="zh-TW" altLang="en-US" smtClean="0"/>
-              <a:t>2025/4/17</a:t>
+              <a:t>2025/5/12</a:t>
             </a:fld>
             <a:endParaRPr kumimoji="1" lang="zh-TW" altLang="en-US"/>
           </a:p>
@@ -546,7 +547,7 @@
           <a:p>
             <a:fld id="{3D2917AE-AFF9-1B49-92D4-1AA1F56B57E0}" type="slidenum">
               <a:rPr kumimoji="1" lang="zh-TW" altLang="en-US" smtClean="0"/>
-              <a:t>7</a:t>
+              <a:t>8</a:t>
             </a:fld>
             <a:endParaRPr kumimoji="1" lang="zh-TW" altLang="en-US"/>
           </a:p>
@@ -654,7 +655,7 @@
           <a:p>
             <a:fld id="{3D2917AE-AFF9-1B49-92D4-1AA1F56B57E0}" type="slidenum">
               <a:rPr kumimoji="1" lang="zh-TW" altLang="en-US" smtClean="0"/>
-              <a:t>8</a:t>
+              <a:t>9</a:t>
             </a:fld>
             <a:endParaRPr kumimoji="1" lang="zh-TW" altLang="en-US"/>
           </a:p>
@@ -762,7 +763,7 @@
           <a:p>
             <a:fld id="{3D2917AE-AFF9-1B49-92D4-1AA1F56B57E0}" type="slidenum">
               <a:rPr kumimoji="1" lang="zh-TW" altLang="en-US" smtClean="0"/>
-              <a:t>9</a:t>
+              <a:t>10</a:t>
             </a:fld>
             <a:endParaRPr kumimoji="1" lang="zh-TW" altLang="en-US"/>
           </a:p>
@@ -870,7 +871,7 @@
           <a:p>
             <a:fld id="{3D2917AE-AFF9-1B49-92D4-1AA1F56B57E0}" type="slidenum">
               <a:rPr kumimoji="1" lang="zh-TW" altLang="en-US" smtClean="0"/>
-              <a:t>10</a:t>
+              <a:t>11</a:t>
             </a:fld>
             <a:endParaRPr kumimoji="1" lang="zh-TW" altLang="en-US"/>
           </a:p>
@@ -978,7 +979,7 @@
           <a:p>
             <a:fld id="{3D2917AE-AFF9-1B49-92D4-1AA1F56B57E0}" type="slidenum">
               <a:rPr kumimoji="1" lang="zh-TW" altLang="en-US" smtClean="0"/>
-              <a:t>11</a:t>
+              <a:t>12</a:t>
             </a:fld>
             <a:endParaRPr kumimoji="1" lang="zh-TW" altLang="en-US"/>
           </a:p>
@@ -1086,7 +1087,7 @@
           <a:p>
             <a:fld id="{3D2917AE-AFF9-1B49-92D4-1AA1F56B57E0}" type="slidenum">
               <a:rPr kumimoji="1" lang="zh-TW" altLang="en-US" smtClean="0"/>
-              <a:t>12</a:t>
+              <a:t>13</a:t>
             </a:fld>
             <a:endParaRPr kumimoji="1" lang="zh-TW" altLang="en-US"/>
           </a:p>
@@ -1194,7 +1195,7 @@
           <a:p>
             <a:fld id="{3D2917AE-AFF9-1B49-92D4-1AA1F56B57E0}" type="slidenum">
               <a:rPr kumimoji="1" lang="zh-TW" altLang="en-US" smtClean="0"/>
-              <a:t>13</a:t>
+              <a:t>14</a:t>
             </a:fld>
             <a:endParaRPr kumimoji="1" lang="zh-TW" altLang="en-US"/>
           </a:p>
@@ -1360,7 +1361,7 @@
           <a:p>
             <a:fld id="{ABA5376E-435E-E84A-8F8A-62A6FCF60810}" type="datetimeFigureOut">
               <a:rPr kumimoji="1" lang="zh-TW" altLang="en-US" smtClean="0"/>
-              <a:t>2025/4/17</a:t>
+              <a:t>2025/5/12</a:t>
             </a:fld>
             <a:endParaRPr kumimoji="1" lang="zh-TW" altLang="en-US"/>
           </a:p>
@@ -1558,7 +1559,7 @@
           <a:p>
             <a:fld id="{ABA5376E-435E-E84A-8F8A-62A6FCF60810}" type="datetimeFigureOut">
               <a:rPr kumimoji="1" lang="zh-TW" altLang="en-US" smtClean="0"/>
-              <a:t>2025/4/17</a:t>
+              <a:t>2025/5/12</a:t>
             </a:fld>
             <a:endParaRPr kumimoji="1" lang="zh-TW" altLang="en-US"/>
           </a:p>
@@ -1766,7 +1767,7 @@
           <a:p>
             <a:fld id="{ABA5376E-435E-E84A-8F8A-62A6FCF60810}" type="datetimeFigureOut">
               <a:rPr kumimoji="1" lang="zh-TW" altLang="en-US" smtClean="0"/>
-              <a:t>2025/4/17</a:t>
+              <a:t>2025/5/12</a:t>
             </a:fld>
             <a:endParaRPr kumimoji="1" lang="zh-TW" altLang="en-US"/>
           </a:p>
@@ -1964,7 +1965,7 @@
           <a:p>
             <a:fld id="{ABA5376E-435E-E84A-8F8A-62A6FCF60810}" type="datetimeFigureOut">
               <a:rPr kumimoji="1" lang="zh-TW" altLang="en-US" smtClean="0"/>
-              <a:t>2025/4/17</a:t>
+              <a:t>2025/5/12</a:t>
             </a:fld>
             <a:endParaRPr kumimoji="1" lang="zh-TW" altLang="en-US"/>
           </a:p>
@@ -2239,7 +2240,7 @@
           <a:p>
             <a:fld id="{ABA5376E-435E-E84A-8F8A-62A6FCF60810}" type="datetimeFigureOut">
               <a:rPr kumimoji="1" lang="zh-TW" altLang="en-US" smtClean="0"/>
-              <a:t>2025/4/17</a:t>
+              <a:t>2025/5/12</a:t>
             </a:fld>
             <a:endParaRPr kumimoji="1" lang="zh-TW" altLang="en-US"/>
           </a:p>
@@ -2504,7 +2505,7 @@
           <a:p>
             <a:fld id="{ABA5376E-435E-E84A-8F8A-62A6FCF60810}" type="datetimeFigureOut">
               <a:rPr kumimoji="1" lang="zh-TW" altLang="en-US" smtClean="0"/>
-              <a:t>2025/4/17</a:t>
+              <a:t>2025/5/12</a:t>
             </a:fld>
             <a:endParaRPr kumimoji="1" lang="zh-TW" altLang="en-US"/>
           </a:p>
@@ -2916,7 +2917,7 @@
           <a:p>
             <a:fld id="{ABA5376E-435E-E84A-8F8A-62A6FCF60810}" type="datetimeFigureOut">
               <a:rPr kumimoji="1" lang="zh-TW" altLang="en-US" smtClean="0"/>
-              <a:t>2025/4/17</a:t>
+              <a:t>2025/5/12</a:t>
             </a:fld>
             <a:endParaRPr kumimoji="1" lang="zh-TW" altLang="en-US"/>
           </a:p>
@@ -3057,7 +3058,7 @@
           <a:p>
             <a:fld id="{ABA5376E-435E-E84A-8F8A-62A6FCF60810}" type="datetimeFigureOut">
               <a:rPr kumimoji="1" lang="zh-TW" altLang="en-US" smtClean="0"/>
-              <a:t>2025/4/17</a:t>
+              <a:t>2025/5/12</a:t>
             </a:fld>
             <a:endParaRPr kumimoji="1" lang="zh-TW" altLang="en-US"/>
           </a:p>
@@ -3170,7 +3171,7 @@
           <a:p>
             <a:fld id="{ABA5376E-435E-E84A-8F8A-62A6FCF60810}" type="datetimeFigureOut">
               <a:rPr kumimoji="1" lang="zh-TW" altLang="en-US" smtClean="0"/>
-              <a:t>2025/4/17</a:t>
+              <a:t>2025/5/12</a:t>
             </a:fld>
             <a:endParaRPr kumimoji="1" lang="zh-TW" altLang="en-US"/>
           </a:p>
@@ -3481,7 +3482,7 @@
           <a:p>
             <a:fld id="{ABA5376E-435E-E84A-8F8A-62A6FCF60810}" type="datetimeFigureOut">
               <a:rPr kumimoji="1" lang="zh-TW" altLang="en-US" smtClean="0"/>
-              <a:t>2025/4/17</a:t>
+              <a:t>2025/5/12</a:t>
             </a:fld>
             <a:endParaRPr kumimoji="1" lang="zh-TW" altLang="en-US"/>
           </a:p>
@@ -3769,7 +3770,7 @@
           <a:p>
             <a:fld id="{ABA5376E-435E-E84A-8F8A-62A6FCF60810}" type="datetimeFigureOut">
               <a:rPr kumimoji="1" lang="zh-TW" altLang="en-US" smtClean="0"/>
-              <a:t>2025/4/17</a:t>
+              <a:t>2025/5/12</a:t>
             </a:fld>
             <a:endParaRPr kumimoji="1" lang="zh-TW" altLang="en-US"/>
           </a:p>
@@ -4010,7 +4011,7 @@
           <a:p>
             <a:fld id="{ABA5376E-435E-E84A-8F8A-62A6FCF60810}" type="datetimeFigureOut">
               <a:rPr kumimoji="1" lang="zh-TW" altLang="en-US" smtClean="0"/>
-              <a:t>2025/4/17</a:t>
+              <a:t>2025/5/12</a:t>
             </a:fld>
             <a:endParaRPr kumimoji="1" lang="zh-TW" altLang="en-US"/>
           </a:p>
@@ -4491,6 +4492,1531 @@
 </file>
 
 <file path=ppt/slides/slide10.xml><?xml version="1.0" encoding="utf-8"?>
+<p:sld xmlns:a="http://schemas.openxmlformats.org/drawingml/2006/main" xmlns:r="http://schemas.openxmlformats.org/officeDocument/2006/relationships" xmlns:p="http://schemas.openxmlformats.org/presentationml/2006/main">
+  <p:cSld>
+    <p:spTree>
+      <p:nvGrpSpPr>
+        <p:cNvPr id="1" name="">
+          <a:extLst>
+            <a:ext uri="{FF2B5EF4-FFF2-40B4-BE49-F238E27FC236}">
+              <a16:creationId xmlns:a16="http://schemas.microsoft.com/office/drawing/2014/main" id="{49B64AB0-0577-15C7-EC0B-355BD0669CFB}"/>
+            </a:ext>
+          </a:extLst>
+        </p:cNvPr>
+        <p:cNvGrpSpPr/>
+        <p:nvPr/>
+      </p:nvGrpSpPr>
+      <p:grpSpPr>
+        <a:xfrm>
+          <a:off x="0" y="0"/>
+          <a:ext cx="0" cy="0"/>
+          <a:chOff x="0" y="0"/>
+          <a:chExt cx="0" cy="0"/>
+        </a:xfrm>
+      </p:grpSpPr>
+      <p:grpSp>
+        <p:nvGrpSpPr>
+          <p:cNvPr id="9" name="群組 8">
+            <a:extLst>
+              <a:ext uri="{FF2B5EF4-FFF2-40B4-BE49-F238E27FC236}">
+                <a16:creationId xmlns:a16="http://schemas.microsoft.com/office/drawing/2014/main" id="{19B0C413-D31E-283D-2482-973FC1828B77}"/>
+              </a:ext>
+            </a:extLst>
+          </p:cNvPr>
+          <p:cNvGrpSpPr/>
+          <p:nvPr/>
+        </p:nvGrpSpPr>
+        <p:grpSpPr>
+          <a:xfrm>
+            <a:off x="2146005" y="0"/>
+            <a:ext cx="7879678" cy="7665862"/>
+            <a:chOff x="2146005" y="0"/>
+            <a:chExt cx="7879678" cy="7665862"/>
+          </a:xfrm>
+        </p:grpSpPr>
+        <p:grpSp>
+          <p:nvGrpSpPr>
+            <p:cNvPr id="48" name="群組 47">
+              <a:extLst>
+                <a:ext uri="{FF2B5EF4-FFF2-40B4-BE49-F238E27FC236}">
+                  <a16:creationId xmlns:a16="http://schemas.microsoft.com/office/drawing/2014/main" id="{F18251AB-4AB9-E434-6F9F-CA6DFA7A8668}"/>
+                </a:ext>
+              </a:extLst>
+            </p:cNvPr>
+            <p:cNvGrpSpPr/>
+            <p:nvPr/>
+          </p:nvGrpSpPr>
+          <p:grpSpPr>
+            <a:xfrm>
+              <a:off x="2146005" y="0"/>
+              <a:ext cx="7879678" cy="7665862"/>
+              <a:chOff x="2151083" y="-305101"/>
+              <a:chExt cx="7879678" cy="7665862"/>
+            </a:xfrm>
+          </p:grpSpPr>
+          <p:grpSp>
+            <p:nvGrpSpPr>
+              <p:cNvPr id="7" name="群組 6">
+                <a:extLst>
+                  <a:ext uri="{FF2B5EF4-FFF2-40B4-BE49-F238E27FC236}">
+                    <a16:creationId xmlns:a16="http://schemas.microsoft.com/office/drawing/2014/main" id="{CB46E6F2-835A-0C39-F09E-2FC74217556F}"/>
+                  </a:ext>
+                </a:extLst>
+              </p:cNvPr>
+              <p:cNvGrpSpPr/>
+              <p:nvPr/>
+            </p:nvGrpSpPr>
+            <p:grpSpPr>
+              <a:xfrm>
+                <a:off x="2151083" y="-305101"/>
+                <a:ext cx="7879678" cy="5144128"/>
+                <a:chOff x="157840" y="667356"/>
+                <a:chExt cx="7879678" cy="5144128"/>
+              </a:xfrm>
+            </p:grpSpPr>
+            <p:sp>
+              <p:nvSpPr>
+                <p:cNvPr id="2" name="不規則四邊形 1">
+                  <a:extLst>
+                    <a:ext uri="{FF2B5EF4-FFF2-40B4-BE49-F238E27FC236}">
+                      <a16:creationId xmlns:a16="http://schemas.microsoft.com/office/drawing/2014/main" id="{99501EEB-76C9-C51B-150F-981B46BB26D7}"/>
+                    </a:ext>
+                  </a:extLst>
+                </p:cNvPr>
+                <p:cNvSpPr/>
+                <p:nvPr/>
+              </p:nvSpPr>
+              <p:spPr>
+                <a:xfrm flipV="1">
+                  <a:off x="167995" y="667356"/>
+                  <a:ext cx="7869523" cy="5140624"/>
+                </a:xfrm>
+                <a:prstGeom prst="trapezoid">
+                  <a:avLst>
+                    <a:gd name="adj" fmla="val 0"/>
+                  </a:avLst>
+                </a:prstGeom>
+                <a:solidFill>
+                  <a:schemeClr val="tx1"/>
+                </a:solidFill>
+                <a:ln w="22225">
+                  <a:solidFill>
+                    <a:schemeClr val="accent1"/>
+                  </a:solidFill>
+                </a:ln>
+              </p:spPr>
+              <p:style>
+                <a:lnRef idx="2">
+                  <a:schemeClr val="accent1">
+                    <a:shade val="15000"/>
+                  </a:schemeClr>
+                </a:lnRef>
+                <a:fillRef idx="1">
+                  <a:schemeClr val="accent1"/>
+                </a:fillRef>
+                <a:effectRef idx="0">
+                  <a:schemeClr val="accent1"/>
+                </a:effectRef>
+                <a:fontRef idx="minor">
+                  <a:schemeClr val="lt1"/>
+                </a:fontRef>
+              </p:style>
+              <p:txBody>
+                <a:bodyPr rtlCol="0" anchor="ctr"/>
+                <a:lstStyle/>
+                <a:p>
+                  <a:pPr algn="ctr"/>
+                  <a:endParaRPr kumimoji="1" lang="zh-TW" altLang="en-US"/>
+                </a:p>
+              </p:txBody>
+            </p:sp>
+            <p:sp>
+              <p:nvSpPr>
+                <p:cNvPr id="5" name="不規則四邊形 4">
+                  <a:extLst>
+                    <a:ext uri="{FF2B5EF4-FFF2-40B4-BE49-F238E27FC236}">
+                      <a16:creationId xmlns:a16="http://schemas.microsoft.com/office/drawing/2014/main" id="{1F39555F-505A-EBBB-01ED-A09CA5DA24B9}"/>
+                    </a:ext>
+                  </a:extLst>
+                </p:cNvPr>
+                <p:cNvSpPr/>
+                <p:nvPr/>
+              </p:nvSpPr>
+              <p:spPr>
+                <a:xfrm flipV="1">
+                  <a:off x="157840" y="670860"/>
+                  <a:ext cx="7869523" cy="5140624"/>
+                </a:xfrm>
+                <a:prstGeom prst="trapezoid">
+                  <a:avLst>
+                    <a:gd name="adj" fmla="val 45669"/>
+                  </a:avLst>
+                </a:prstGeom>
+                <a:solidFill>
+                  <a:schemeClr val="bg1"/>
+                </a:solidFill>
+                <a:ln w="25400">
+                  <a:solidFill>
+                    <a:schemeClr val="tx1"/>
+                  </a:solidFill>
+                </a:ln>
+              </p:spPr>
+              <p:style>
+                <a:lnRef idx="2">
+                  <a:schemeClr val="accent1">
+                    <a:shade val="15000"/>
+                  </a:schemeClr>
+                </a:lnRef>
+                <a:fillRef idx="1">
+                  <a:schemeClr val="accent1"/>
+                </a:fillRef>
+                <a:effectRef idx="0">
+                  <a:schemeClr val="accent1"/>
+                </a:effectRef>
+                <a:fontRef idx="minor">
+                  <a:schemeClr val="lt1"/>
+                </a:fontRef>
+              </p:style>
+              <p:txBody>
+                <a:bodyPr rtlCol="0" anchor="ctr"/>
+                <a:lstStyle/>
+                <a:p>
+                  <a:pPr algn="ctr"/>
+                  <a:endParaRPr kumimoji="1" lang="zh-TW" altLang="en-US"/>
+                </a:p>
+              </p:txBody>
+            </p:sp>
+            <p:sp>
+              <p:nvSpPr>
+                <p:cNvPr id="20" name="文字方塊 19">
+                  <a:extLst>
+                    <a:ext uri="{FF2B5EF4-FFF2-40B4-BE49-F238E27FC236}">
+                      <a16:creationId xmlns:a16="http://schemas.microsoft.com/office/drawing/2014/main" id="{4524D3FC-D619-E5C7-CECC-0784CD56E7F6}"/>
+                    </a:ext>
+                  </a:extLst>
+                </p:cNvPr>
+                <p:cNvSpPr txBox="1"/>
+                <p:nvPr/>
+              </p:nvSpPr>
+              <p:spPr>
+                <a:xfrm>
+                  <a:off x="6568824" y="740450"/>
+                  <a:ext cx="1231106" cy="369332"/>
+                </a:xfrm>
+                <a:prstGeom prst="rect">
+                  <a:avLst/>
+                </a:prstGeom>
+                <a:noFill/>
+              </p:spPr>
+              <p:txBody>
+                <a:bodyPr wrap="none" lIns="0" tIns="0" rIns="0" bIns="0" rtlCol="0">
+                  <a:spAutoFit/>
+                </a:bodyPr>
+                <a:lstStyle/>
+                <a:p>
+                  <a:r>
+                    <a:rPr kumimoji="1" lang="zh-TW" altLang="en-US" sz="2400" dirty="0">
+                      <a:solidFill>
+                        <a:sysClr val="windowText" lastClr="000000"/>
+                      </a:solidFill>
+                      <a:latin typeface="SoukouMincho" panose="02000600000000000000" pitchFamily="2" charset="-128"/>
+                      <a:ea typeface="SoukouMincho" panose="02000600000000000000" pitchFamily="2" charset="-128"/>
+                    </a:rPr>
+                    <a:t>拍攝範圍</a:t>
+                  </a:r>
+                </a:p>
+              </p:txBody>
+            </p:sp>
+            <p:sp>
+              <p:nvSpPr>
+                <p:cNvPr id="4" name="文字方塊 3">
+                  <a:extLst>
+                    <a:ext uri="{FF2B5EF4-FFF2-40B4-BE49-F238E27FC236}">
+                      <a16:creationId xmlns:a16="http://schemas.microsoft.com/office/drawing/2014/main" id="{2CC770B5-8336-D82F-BFE0-716AD846BCB7}"/>
+                    </a:ext>
+                  </a:extLst>
+                </p:cNvPr>
+                <p:cNvSpPr txBox="1"/>
+                <p:nvPr/>
+              </p:nvSpPr>
+              <p:spPr>
+                <a:xfrm>
+                  <a:off x="5872927" y="5438649"/>
+                  <a:ext cx="2154436" cy="369332"/>
+                </a:xfrm>
+                <a:prstGeom prst="rect">
+                  <a:avLst/>
+                </a:prstGeom>
+                <a:noFill/>
+                <a:ln>
+                  <a:noFill/>
+                </a:ln>
+              </p:spPr>
+              <p:txBody>
+                <a:bodyPr wrap="none" lIns="0" tIns="0" rIns="0" bIns="0" rtlCol="0">
+                  <a:spAutoFit/>
+                </a:bodyPr>
+                <a:lstStyle/>
+                <a:p>
+                  <a:r>
+                    <a:rPr kumimoji="1" lang="zh-TW" altLang="en-US" sz="2400" dirty="0">
+                      <a:solidFill>
+                        <a:schemeClr val="accent1"/>
+                      </a:solidFill>
+                      <a:latin typeface="SoukouMincho" panose="02000600000000000000" pitchFamily="2" charset="-128"/>
+                      <a:ea typeface="SoukouMincho" panose="02000600000000000000" pitchFamily="2" charset="-128"/>
+                    </a:rPr>
+                    <a:t>透視變換後影像</a:t>
+                  </a:r>
+                </a:p>
+              </p:txBody>
+            </p:sp>
+            <p:sp>
+              <p:nvSpPr>
+                <p:cNvPr id="6" name="手繪多邊形 5">
+                  <a:extLst>
+                    <a:ext uri="{FF2B5EF4-FFF2-40B4-BE49-F238E27FC236}">
+                      <a16:creationId xmlns:a16="http://schemas.microsoft.com/office/drawing/2014/main" id="{EA3739FB-0329-0851-52EC-7E5C9DE18B91}"/>
+                    </a:ext>
+                  </a:extLst>
+                </p:cNvPr>
+                <p:cNvSpPr/>
+                <p:nvPr/>
+              </p:nvSpPr>
+              <p:spPr>
+                <a:xfrm rot="20553750">
+                  <a:off x="2774161" y="1030125"/>
+                  <a:ext cx="3478776" cy="4295561"/>
+                </a:xfrm>
+                <a:custGeom>
+                  <a:avLst/>
+                  <a:gdLst>
+                    <a:gd name="connsiteX0" fmla="*/ 49417 w 1117319"/>
+                    <a:gd name="connsiteY0" fmla="*/ 4560570 h 4560570"/>
+                    <a:gd name="connsiteX1" fmla="*/ 117997 w 1117319"/>
+                    <a:gd name="connsiteY1" fmla="*/ 2800350 h 4560570"/>
+                    <a:gd name="connsiteX2" fmla="*/ 1078117 w 1117319"/>
+                    <a:gd name="connsiteY2" fmla="*/ 1188720 h 4560570"/>
+                    <a:gd name="connsiteX3" fmla="*/ 918097 w 1117319"/>
+                    <a:gd name="connsiteY3" fmla="*/ 0 h 4560570"/>
+                  </a:gdLst>
+                  <a:ahLst/>
+                  <a:cxnLst>
+                    <a:cxn ang="0">
+                      <a:pos x="connsiteX0" y="connsiteY0"/>
+                    </a:cxn>
+                    <a:cxn ang="0">
+                      <a:pos x="connsiteX1" y="connsiteY1"/>
+                    </a:cxn>
+                    <a:cxn ang="0">
+                      <a:pos x="connsiteX2" y="connsiteY2"/>
+                    </a:cxn>
+                    <a:cxn ang="0">
+                      <a:pos x="connsiteX3" y="connsiteY3"/>
+                    </a:cxn>
+                  </a:cxnLst>
+                  <a:rect l="l" t="t" r="r" b="b"/>
+                  <a:pathLst>
+                    <a:path w="1117319" h="4560570">
+                      <a:moveTo>
+                        <a:pt x="49417" y="4560570"/>
+                      </a:moveTo>
+                      <a:cubicBezTo>
+                        <a:pt x="-2018" y="3961447"/>
+                        <a:pt x="-53453" y="3362325"/>
+                        <a:pt x="117997" y="2800350"/>
+                      </a:cubicBezTo>
+                      <a:cubicBezTo>
+                        <a:pt x="289447" y="2238375"/>
+                        <a:pt x="944767" y="1655445"/>
+                        <a:pt x="1078117" y="1188720"/>
+                      </a:cubicBezTo>
+                      <a:cubicBezTo>
+                        <a:pt x="1211467" y="721995"/>
+                        <a:pt x="965722" y="243840"/>
+                        <a:pt x="918097" y="0"/>
+                      </a:cubicBezTo>
+                    </a:path>
+                  </a:pathLst>
+                </a:custGeom>
+                <a:noFill/>
+                <a:ln w="50800">
+                  <a:solidFill>
+                    <a:schemeClr val="accent2"/>
+                  </a:solidFill>
+                </a:ln>
+              </p:spPr>
+              <p:style>
+                <a:lnRef idx="2">
+                  <a:schemeClr val="accent1">
+                    <a:shade val="15000"/>
+                  </a:schemeClr>
+                </a:lnRef>
+                <a:fillRef idx="1">
+                  <a:schemeClr val="accent1"/>
+                </a:fillRef>
+                <a:effectRef idx="0">
+                  <a:schemeClr val="accent1"/>
+                </a:effectRef>
+                <a:fontRef idx="minor">
+                  <a:schemeClr val="lt1"/>
+                </a:fontRef>
+              </p:style>
+              <p:txBody>
+                <a:bodyPr rtlCol="0" anchor="ctr"/>
+                <a:lstStyle/>
+                <a:p>
+                  <a:pPr algn="ctr"/>
+                  <a:endParaRPr kumimoji="1" lang="zh-TW" altLang="en-US" dirty="0"/>
+                </a:p>
+              </p:txBody>
+            </p:sp>
+          </p:grpSp>
+          <p:grpSp>
+            <p:nvGrpSpPr>
+              <p:cNvPr id="16" name="群組 15">
+                <a:extLst>
+                  <a:ext uri="{FF2B5EF4-FFF2-40B4-BE49-F238E27FC236}">
+                    <a16:creationId xmlns:a16="http://schemas.microsoft.com/office/drawing/2014/main" id="{3BD8E962-9283-A247-54A3-3199C7E8C9D9}"/>
+                  </a:ext>
+                </a:extLst>
+              </p:cNvPr>
+              <p:cNvGrpSpPr/>
+              <p:nvPr/>
+            </p:nvGrpSpPr>
+            <p:grpSpPr>
+              <a:xfrm>
+                <a:off x="5276994" y="5189376"/>
+                <a:ext cx="2297453" cy="2171385"/>
+                <a:chOff x="7750459" y="4289502"/>
+                <a:chExt cx="2297453" cy="2171385"/>
+              </a:xfrm>
+            </p:grpSpPr>
+            <p:grpSp>
+              <p:nvGrpSpPr>
+                <p:cNvPr id="17" name="群組 16">
+                  <a:extLst>
+                    <a:ext uri="{FF2B5EF4-FFF2-40B4-BE49-F238E27FC236}">
+                      <a16:creationId xmlns:a16="http://schemas.microsoft.com/office/drawing/2014/main" id="{0663A5ED-969C-5F26-3991-6D41BDB4569F}"/>
+                    </a:ext>
+                  </a:extLst>
+                </p:cNvPr>
+                <p:cNvGrpSpPr/>
+                <p:nvPr/>
+              </p:nvGrpSpPr>
+              <p:grpSpPr>
+                <a:xfrm>
+                  <a:off x="7750459" y="5136910"/>
+                  <a:ext cx="1631799" cy="1323977"/>
+                  <a:chOff x="9907630" y="2767011"/>
+                  <a:chExt cx="1631799" cy="1323977"/>
+                </a:xfrm>
+              </p:grpSpPr>
+              <p:sp>
+                <p:nvSpPr>
+                  <p:cNvPr id="26" name="矩形 25">
+                    <a:extLst>
+                      <a:ext uri="{FF2B5EF4-FFF2-40B4-BE49-F238E27FC236}">
+                        <a16:creationId xmlns:a16="http://schemas.microsoft.com/office/drawing/2014/main" id="{4C819442-C442-538F-CB43-738C1D5433FA}"/>
+                      </a:ext>
+                    </a:extLst>
+                  </p:cNvPr>
+                  <p:cNvSpPr/>
+                  <p:nvPr/>
+                </p:nvSpPr>
+                <p:spPr>
+                  <a:xfrm>
+                    <a:off x="10222649" y="2767011"/>
+                    <a:ext cx="1001761" cy="1323977"/>
+                  </a:xfrm>
+                  <a:prstGeom prst="rect">
+                    <a:avLst/>
+                  </a:prstGeom>
+                </p:spPr>
+                <p:style>
+                  <a:lnRef idx="2">
+                    <a:schemeClr val="dk1"/>
+                  </a:lnRef>
+                  <a:fillRef idx="1">
+                    <a:schemeClr val="lt1"/>
+                  </a:fillRef>
+                  <a:effectRef idx="0">
+                    <a:schemeClr val="dk1"/>
+                  </a:effectRef>
+                  <a:fontRef idx="minor">
+                    <a:schemeClr val="dk1"/>
+                  </a:fontRef>
+                </p:style>
+                <p:txBody>
+                  <a:bodyPr rtlCol="0" anchor="ctr"/>
+                  <a:lstStyle/>
+                  <a:p>
+                    <a:pPr algn="ctr"/>
+                    <a:endParaRPr kumimoji="1" lang="zh-TW" altLang="en-US"/>
+                  </a:p>
+                </p:txBody>
+              </p:sp>
+              <p:sp>
+                <p:nvSpPr>
+                  <p:cNvPr id="27" name="矩形 26">
+                    <a:extLst>
+                      <a:ext uri="{FF2B5EF4-FFF2-40B4-BE49-F238E27FC236}">
+                        <a16:creationId xmlns:a16="http://schemas.microsoft.com/office/drawing/2014/main" id="{3B1DADDF-64EB-CE06-5D00-433055E7901A}"/>
+                      </a:ext>
+                    </a:extLst>
+                  </p:cNvPr>
+                  <p:cNvSpPr/>
+                  <p:nvPr/>
+                </p:nvSpPr>
+                <p:spPr>
+                  <a:xfrm>
+                    <a:off x="11224410" y="2862244"/>
+                    <a:ext cx="315019" cy="478490"/>
+                  </a:xfrm>
+                  <a:prstGeom prst="rect">
+                    <a:avLst/>
+                  </a:prstGeom>
+                </p:spPr>
+                <p:style>
+                  <a:lnRef idx="2">
+                    <a:schemeClr val="dk1"/>
+                  </a:lnRef>
+                  <a:fillRef idx="1">
+                    <a:schemeClr val="lt1"/>
+                  </a:fillRef>
+                  <a:effectRef idx="0">
+                    <a:schemeClr val="dk1"/>
+                  </a:effectRef>
+                  <a:fontRef idx="minor">
+                    <a:schemeClr val="dk1"/>
+                  </a:fontRef>
+                </p:style>
+                <p:txBody>
+                  <a:bodyPr rtlCol="0" anchor="ctr"/>
+                  <a:lstStyle/>
+                  <a:p>
+                    <a:pPr algn="ctr"/>
+                    <a:endParaRPr kumimoji="1" lang="zh-TW" altLang="en-US"/>
+                  </a:p>
+                </p:txBody>
+              </p:sp>
+              <p:sp>
+                <p:nvSpPr>
+                  <p:cNvPr id="28" name="矩形 27">
+                    <a:extLst>
+                      <a:ext uri="{FF2B5EF4-FFF2-40B4-BE49-F238E27FC236}">
+                        <a16:creationId xmlns:a16="http://schemas.microsoft.com/office/drawing/2014/main" id="{9FA910BD-2868-FAAE-9BBF-47D2D1BFF12F}"/>
+                      </a:ext>
+                    </a:extLst>
+                  </p:cNvPr>
+                  <p:cNvSpPr/>
+                  <p:nvPr/>
+                </p:nvSpPr>
+                <p:spPr>
+                  <a:xfrm>
+                    <a:off x="11224410" y="3503328"/>
+                    <a:ext cx="315019" cy="478490"/>
+                  </a:xfrm>
+                  <a:prstGeom prst="rect">
+                    <a:avLst/>
+                  </a:prstGeom>
+                </p:spPr>
+                <p:style>
+                  <a:lnRef idx="2">
+                    <a:schemeClr val="dk1"/>
+                  </a:lnRef>
+                  <a:fillRef idx="1">
+                    <a:schemeClr val="lt1"/>
+                  </a:fillRef>
+                  <a:effectRef idx="0">
+                    <a:schemeClr val="dk1"/>
+                  </a:effectRef>
+                  <a:fontRef idx="minor">
+                    <a:schemeClr val="dk1"/>
+                  </a:fontRef>
+                </p:style>
+                <p:txBody>
+                  <a:bodyPr rtlCol="0" anchor="ctr"/>
+                  <a:lstStyle/>
+                  <a:p>
+                    <a:pPr algn="ctr"/>
+                    <a:endParaRPr kumimoji="1" lang="zh-TW" altLang="en-US" dirty="0"/>
+                  </a:p>
+                </p:txBody>
+              </p:sp>
+              <p:sp>
+                <p:nvSpPr>
+                  <p:cNvPr id="30" name="矩形 29">
+                    <a:extLst>
+                      <a:ext uri="{FF2B5EF4-FFF2-40B4-BE49-F238E27FC236}">
+                        <a16:creationId xmlns:a16="http://schemas.microsoft.com/office/drawing/2014/main" id="{F3939991-F104-F9FA-9643-4A38D20FAB10}"/>
+                      </a:ext>
+                    </a:extLst>
+                  </p:cNvPr>
+                  <p:cNvSpPr/>
+                  <p:nvPr/>
+                </p:nvSpPr>
+                <p:spPr>
+                  <a:xfrm>
+                    <a:off x="9907630" y="3503328"/>
+                    <a:ext cx="315019" cy="478490"/>
+                  </a:xfrm>
+                  <a:prstGeom prst="rect">
+                    <a:avLst/>
+                  </a:prstGeom>
+                </p:spPr>
+                <p:style>
+                  <a:lnRef idx="2">
+                    <a:schemeClr val="dk1"/>
+                  </a:lnRef>
+                  <a:fillRef idx="1">
+                    <a:schemeClr val="lt1"/>
+                  </a:fillRef>
+                  <a:effectRef idx="0">
+                    <a:schemeClr val="dk1"/>
+                  </a:effectRef>
+                  <a:fontRef idx="minor">
+                    <a:schemeClr val="dk1"/>
+                  </a:fontRef>
+                </p:style>
+                <p:txBody>
+                  <a:bodyPr rtlCol="0" anchor="ctr"/>
+                  <a:lstStyle/>
+                  <a:p>
+                    <a:pPr algn="ctr"/>
+                    <a:endParaRPr kumimoji="1" lang="zh-TW" altLang="en-US"/>
+                  </a:p>
+                </p:txBody>
+              </p:sp>
+              <p:sp>
+                <p:nvSpPr>
+                  <p:cNvPr id="47" name="矩形 46">
+                    <a:extLst>
+                      <a:ext uri="{FF2B5EF4-FFF2-40B4-BE49-F238E27FC236}">
+                        <a16:creationId xmlns:a16="http://schemas.microsoft.com/office/drawing/2014/main" id="{943D2EF6-A86B-8691-FBC4-429D3C55F22B}"/>
+                      </a:ext>
+                    </a:extLst>
+                  </p:cNvPr>
+                  <p:cNvSpPr/>
+                  <p:nvPr/>
+                </p:nvSpPr>
+                <p:spPr>
+                  <a:xfrm>
+                    <a:off x="9907630" y="2845985"/>
+                    <a:ext cx="315019" cy="478490"/>
+                  </a:xfrm>
+                  <a:prstGeom prst="rect">
+                    <a:avLst/>
+                  </a:prstGeom>
+                </p:spPr>
+                <p:style>
+                  <a:lnRef idx="2">
+                    <a:schemeClr val="dk1"/>
+                  </a:lnRef>
+                  <a:fillRef idx="1">
+                    <a:schemeClr val="lt1"/>
+                  </a:fillRef>
+                  <a:effectRef idx="0">
+                    <a:schemeClr val="dk1"/>
+                  </a:effectRef>
+                  <a:fontRef idx="minor">
+                    <a:schemeClr val="dk1"/>
+                  </a:fontRef>
+                </p:style>
+                <p:txBody>
+                  <a:bodyPr rtlCol="0" anchor="ctr"/>
+                  <a:lstStyle/>
+                  <a:p>
+                    <a:pPr algn="ctr"/>
+                    <a:endParaRPr kumimoji="1" lang="zh-TW" altLang="en-US"/>
+                  </a:p>
+                </p:txBody>
+              </p:sp>
+            </p:grpSp>
+            <p:grpSp>
+              <p:nvGrpSpPr>
+                <p:cNvPr id="18" name="群組 17">
+                  <a:extLst>
+                    <a:ext uri="{FF2B5EF4-FFF2-40B4-BE49-F238E27FC236}">
+                      <a16:creationId xmlns:a16="http://schemas.microsoft.com/office/drawing/2014/main" id="{9A37B07B-3A48-988C-15AE-9FF48527EF08}"/>
+                    </a:ext>
+                  </a:extLst>
+                </p:cNvPr>
+                <p:cNvGrpSpPr/>
+                <p:nvPr/>
+              </p:nvGrpSpPr>
+              <p:grpSpPr>
+                <a:xfrm>
+                  <a:off x="8450646" y="4289502"/>
+                  <a:ext cx="1597266" cy="1693232"/>
+                  <a:chOff x="7952197" y="3954676"/>
+                  <a:chExt cx="1597266" cy="1693232"/>
+                </a:xfrm>
+              </p:grpSpPr>
+              <p:cxnSp>
+                <p:nvCxnSpPr>
+                  <p:cNvPr id="19" name="直線接點 18">
+                    <a:extLst>
+                      <a:ext uri="{FF2B5EF4-FFF2-40B4-BE49-F238E27FC236}">
+                        <a16:creationId xmlns:a16="http://schemas.microsoft.com/office/drawing/2014/main" id="{C2DCAB1A-3D39-7218-ECCF-3DEC0EE1470D}"/>
+                      </a:ext>
+                    </a:extLst>
+                  </p:cNvPr>
+                  <p:cNvCxnSpPr>
+                    <a:cxnSpLocks/>
+                  </p:cNvCxnSpPr>
+                  <p:nvPr/>
+                </p:nvCxnSpPr>
+                <p:spPr>
+                  <a:xfrm flipH="1">
+                    <a:off x="8097589" y="5463242"/>
+                    <a:ext cx="807872" cy="0"/>
+                  </a:xfrm>
+                  <a:prstGeom prst="line">
+                    <a:avLst/>
+                  </a:prstGeom>
+                  <a:ln w="38100">
+                    <a:solidFill>
+                      <a:schemeClr val="tx1"/>
+                    </a:solidFill>
+                    <a:prstDash val="solid"/>
+                    <a:round/>
+                    <a:headEnd type="triangle" w="lg" len="lg"/>
+                    <a:tailEnd type="oval" w="med" len="med"/>
+                  </a:ln>
+                </p:spPr>
+                <p:style>
+                  <a:lnRef idx="1">
+                    <a:schemeClr val="accent1"/>
+                  </a:lnRef>
+                  <a:fillRef idx="0">
+                    <a:schemeClr val="accent1"/>
+                  </a:fillRef>
+                  <a:effectRef idx="0">
+                    <a:schemeClr val="accent1"/>
+                  </a:effectRef>
+                  <a:fontRef idx="minor">
+                    <a:schemeClr val="tx1"/>
+                  </a:fontRef>
+                </p:style>
+              </p:cxnSp>
+              <p:cxnSp>
+                <p:nvCxnSpPr>
+                  <p:cNvPr id="21" name="直線接點 20">
+                    <a:extLst>
+                      <a:ext uri="{FF2B5EF4-FFF2-40B4-BE49-F238E27FC236}">
+                        <a16:creationId xmlns:a16="http://schemas.microsoft.com/office/drawing/2014/main" id="{E7A61F5C-B7EE-D80E-7806-C6F95ED9BFF1}"/>
+                      </a:ext>
+                    </a:extLst>
+                  </p:cNvPr>
+                  <p:cNvCxnSpPr>
+                    <a:cxnSpLocks/>
+                  </p:cNvCxnSpPr>
+                  <p:nvPr/>
+                </p:nvCxnSpPr>
+                <p:spPr>
+                  <a:xfrm>
+                    <a:off x="8097589" y="4388491"/>
+                    <a:ext cx="0" cy="1074751"/>
+                  </a:xfrm>
+                  <a:prstGeom prst="line">
+                    <a:avLst/>
+                  </a:prstGeom>
+                  <a:ln w="38100">
+                    <a:solidFill>
+                      <a:schemeClr val="tx1"/>
+                    </a:solidFill>
+                    <a:prstDash val="solid"/>
+                    <a:round/>
+                    <a:headEnd type="triangle" w="lg" len="lg"/>
+                    <a:tailEnd type="oval" w="med" len="med"/>
+                  </a:ln>
+                </p:spPr>
+                <p:style>
+                  <a:lnRef idx="1">
+                    <a:schemeClr val="accent1"/>
+                  </a:lnRef>
+                  <a:fillRef idx="0">
+                    <a:schemeClr val="accent1"/>
+                  </a:fillRef>
+                  <a:effectRef idx="0">
+                    <a:schemeClr val="accent1"/>
+                  </a:effectRef>
+                  <a:fontRef idx="minor">
+                    <a:schemeClr val="tx1"/>
+                  </a:fontRef>
+                </p:style>
+              </p:cxnSp>
+              <mc:AlternateContent xmlns:mc="http://schemas.openxmlformats.org/markup-compatibility/2006" xmlns:a14="http://schemas.microsoft.com/office/drawing/2010/main">
+                <mc:Choice Requires="a14">
+                  <p:sp>
+                    <p:nvSpPr>
+                      <p:cNvPr id="22" name="文字方塊 21">
+                        <a:extLst>
+                          <a:ext uri="{FF2B5EF4-FFF2-40B4-BE49-F238E27FC236}">
+                            <a16:creationId xmlns:a16="http://schemas.microsoft.com/office/drawing/2014/main" id="{01AC7277-6112-5496-436B-7112B5A7EEE0}"/>
+                          </a:ext>
+                        </a:extLst>
+                      </p:cNvPr>
+                      <p:cNvSpPr txBox="1"/>
+                      <p:nvPr/>
+                    </p:nvSpPr>
+                    <p:spPr>
+                      <a:xfrm>
+                        <a:off x="8942694" y="5278576"/>
+                        <a:ext cx="606769" cy="369332"/>
+                      </a:xfrm>
+                      <a:prstGeom prst="rect">
+                        <a:avLst/>
+                      </a:prstGeom>
+                      <a:noFill/>
+                    </p:spPr>
+                    <p:txBody>
+                      <a:bodyPr wrap="none" lIns="0" tIns="0" rIns="0" bIns="0" rtlCol="0">
+                        <a:spAutoFit/>
+                      </a:bodyPr>
+                      <a:lstStyle/>
+                      <a:p>
+                        <a:pPr/>
+                        <a14:m>
+                          <m:oMathPara xmlns:m="http://schemas.openxmlformats.org/officeDocument/2006/math">
+                            <m:oMathParaPr>
+                              <m:jc m:val="centerGroup"/>
+                            </m:oMathParaPr>
+                            <m:oMath xmlns:m="http://schemas.openxmlformats.org/officeDocument/2006/math">
+                              <m:sSub>
+                                <m:sSubPr>
+                                  <m:ctrlPr>
+                                    <a:rPr kumimoji="1" lang="en-US" altLang="zh-TW" sz="2400" b="0" i="1" smtClean="0">
+                                      <a:latin typeface="Cambria Math" panose="02040503050406030204" pitchFamily="18" charset="0"/>
+                                    </a:rPr>
+                                  </m:ctrlPr>
+                                </m:sSubPr>
+                                <m:e>
+                                  <m:r>
+                                    <a:rPr kumimoji="1" lang="en-US" altLang="zh-TW" sz="2400" b="0" i="1" smtClean="0">
+                                      <a:latin typeface="Cambria Math" panose="02040503050406030204" pitchFamily="18" charset="0"/>
+                                    </a:rPr>
+                                    <m:t>𝑦</m:t>
+                                  </m:r>
+                                </m:e>
+                                <m:sub>
+                                  <m:r>
+                                    <a:rPr kumimoji="1" lang="en-US" altLang="zh-TW" sz="2400" b="0" i="1" smtClean="0">
+                                      <a:latin typeface="Cambria Math" panose="02040503050406030204" pitchFamily="18" charset="0"/>
+                                    </a:rPr>
+                                    <m:t>𝑐𝑎𝑟</m:t>
+                                  </m:r>
+                                </m:sub>
+                              </m:sSub>
+                            </m:oMath>
+                          </m:oMathPara>
+                        </a14:m>
+                        <a:endParaRPr kumimoji="1" lang="zh-TW" altLang="en-US" sz="2400" dirty="0"/>
+                      </a:p>
+                    </p:txBody>
+                  </p:sp>
+                </mc:Choice>
+                <mc:Fallback xmlns="">
+                  <p:sp>
+                    <p:nvSpPr>
+                      <p:cNvPr id="22" name="文字方塊 21">
+                        <a:extLst>
+                          <a:ext uri="{FF2B5EF4-FFF2-40B4-BE49-F238E27FC236}">
+                            <a16:creationId xmlns:a16="http://schemas.microsoft.com/office/drawing/2014/main" id="{01AC7277-6112-5496-436B-7112B5A7EEE0}"/>
+                          </a:ext>
+                        </a:extLst>
+                      </p:cNvPr>
+                      <p:cNvSpPr txBox="1">
+                        <a:spLocks noRot="1" noChangeAspect="1" noMove="1" noResize="1" noEditPoints="1" noAdjustHandles="1" noChangeArrowheads="1" noChangeShapeType="1" noTextEdit="1"/>
+                      </p:cNvSpPr>
+                      <p:nvPr/>
+                    </p:nvSpPr>
+                    <p:spPr>
+                      <a:xfrm>
+                        <a:off x="8942694" y="5278576"/>
+                        <a:ext cx="606769" cy="369332"/>
+                      </a:xfrm>
+                      <a:prstGeom prst="rect">
+                        <a:avLst/>
+                      </a:prstGeom>
+                      <a:blipFill>
+                        <a:blip r:embed="rId3"/>
+                        <a:stretch>
+                          <a:fillRect l="-12245" b="-27586"/>
+                        </a:stretch>
+                      </a:blipFill>
+                    </p:spPr>
+                    <p:txBody>
+                      <a:bodyPr/>
+                      <a:lstStyle/>
+                      <a:p>
+                        <a:r>
+                          <a:rPr lang="zh-TW" altLang="en-US">
+                            <a:noFill/>
+                          </a:rPr>
+                          <a:t> </a:t>
+                        </a:r>
+                      </a:p>
+                    </p:txBody>
+                  </p:sp>
+                </mc:Fallback>
+              </mc:AlternateContent>
+              <mc:AlternateContent xmlns:mc="http://schemas.openxmlformats.org/markup-compatibility/2006" xmlns:a14="http://schemas.microsoft.com/office/drawing/2010/main">
+                <mc:Choice Requires="a14">
+                  <p:sp>
+                    <p:nvSpPr>
+                      <p:cNvPr id="23" name="文字方塊 22">
+                        <a:extLst>
+                          <a:ext uri="{FF2B5EF4-FFF2-40B4-BE49-F238E27FC236}">
+                            <a16:creationId xmlns:a16="http://schemas.microsoft.com/office/drawing/2014/main" id="{1E2715B0-6810-4F26-E9E9-E6C4D47A5E99}"/>
+                          </a:ext>
+                        </a:extLst>
+                      </p:cNvPr>
+                      <p:cNvSpPr txBox="1"/>
+                      <p:nvPr/>
+                    </p:nvSpPr>
+                    <p:spPr>
+                      <a:xfrm>
+                        <a:off x="7952197" y="3954676"/>
+                        <a:ext cx="622799" cy="369332"/>
+                      </a:xfrm>
+                      <a:prstGeom prst="rect">
+                        <a:avLst/>
+                      </a:prstGeom>
+                      <a:noFill/>
+                    </p:spPr>
+                    <p:txBody>
+                      <a:bodyPr wrap="none" lIns="0" tIns="0" rIns="0" bIns="0" rtlCol="0">
+                        <a:spAutoFit/>
+                      </a:bodyPr>
+                      <a:lstStyle/>
+                      <a:p>
+                        <a:pPr/>
+                        <a14:m>
+                          <m:oMathPara xmlns:m="http://schemas.openxmlformats.org/officeDocument/2006/math">
+                            <m:oMathParaPr>
+                              <m:jc m:val="centerGroup"/>
+                            </m:oMathParaPr>
+                            <m:oMath xmlns:m="http://schemas.openxmlformats.org/officeDocument/2006/math">
+                              <m:sSub>
+                                <m:sSubPr>
+                                  <m:ctrlPr>
+                                    <a:rPr kumimoji="1" lang="en-US" altLang="zh-TW" sz="2400" b="0" i="1" smtClean="0">
+                                      <a:latin typeface="Cambria Math" panose="02040503050406030204" pitchFamily="18" charset="0"/>
+                                    </a:rPr>
+                                  </m:ctrlPr>
+                                </m:sSubPr>
+                                <m:e>
+                                  <m:r>
+                                    <a:rPr kumimoji="1" lang="en-US" altLang="zh-TW" sz="2400" b="0" i="1" smtClean="0">
+                                      <a:latin typeface="Cambria Math" panose="02040503050406030204" pitchFamily="18" charset="0"/>
+                                    </a:rPr>
+                                    <m:t>𝑥</m:t>
+                                  </m:r>
+                                </m:e>
+                                <m:sub>
+                                  <m:r>
+                                    <a:rPr kumimoji="1" lang="en-US" altLang="zh-TW" sz="2400" b="0" i="1" smtClean="0">
+                                      <a:latin typeface="Cambria Math" panose="02040503050406030204" pitchFamily="18" charset="0"/>
+                                    </a:rPr>
+                                    <m:t>𝑐𝑎𝑟</m:t>
+                                  </m:r>
+                                </m:sub>
+                              </m:sSub>
+                            </m:oMath>
+                          </m:oMathPara>
+                        </a14:m>
+                        <a:endParaRPr kumimoji="1" lang="zh-TW" altLang="en-US" sz="2400" dirty="0"/>
+                      </a:p>
+                    </p:txBody>
+                  </p:sp>
+                </mc:Choice>
+                <mc:Fallback xmlns="">
+                  <p:sp>
+                    <p:nvSpPr>
+                      <p:cNvPr id="23" name="文字方塊 22">
+                        <a:extLst>
+                          <a:ext uri="{FF2B5EF4-FFF2-40B4-BE49-F238E27FC236}">
+                            <a16:creationId xmlns:a16="http://schemas.microsoft.com/office/drawing/2014/main" id="{1E2715B0-6810-4F26-E9E9-E6C4D47A5E99}"/>
+                          </a:ext>
+                        </a:extLst>
+                      </p:cNvPr>
+                      <p:cNvSpPr txBox="1">
+                        <a:spLocks noRot="1" noChangeAspect="1" noMove="1" noResize="1" noEditPoints="1" noAdjustHandles="1" noChangeArrowheads="1" noChangeShapeType="1" noTextEdit="1"/>
+                      </p:cNvSpPr>
+                      <p:nvPr/>
+                    </p:nvSpPr>
+                    <p:spPr>
+                      <a:xfrm>
+                        <a:off x="7952197" y="3954676"/>
+                        <a:ext cx="622799" cy="369332"/>
+                      </a:xfrm>
+                      <a:prstGeom prst="rect">
+                        <a:avLst/>
+                      </a:prstGeom>
+                      <a:blipFill>
+                        <a:blip r:embed="rId4"/>
+                        <a:stretch>
+                          <a:fillRect l="-6000" b="-13333"/>
+                        </a:stretch>
+                      </a:blipFill>
+                    </p:spPr>
+                    <p:txBody>
+                      <a:bodyPr/>
+                      <a:lstStyle/>
+                      <a:p>
+                        <a:r>
+                          <a:rPr lang="zh-TW" altLang="en-US">
+                            <a:noFill/>
+                          </a:rPr>
+                          <a:t> </a:t>
+                        </a:r>
+                      </a:p>
+                    </p:txBody>
+                  </p:sp>
+                </mc:Fallback>
+              </mc:AlternateContent>
+            </p:grpSp>
+          </p:grpSp>
+        </p:grpSp>
+        <p:sp>
+          <p:nvSpPr>
+            <p:cNvPr id="3" name="框架 2">
+              <a:extLst>
+                <a:ext uri="{FF2B5EF4-FFF2-40B4-BE49-F238E27FC236}">
+                  <a16:creationId xmlns:a16="http://schemas.microsoft.com/office/drawing/2014/main" id="{4BAE980B-5DB5-21F2-A2F8-691C42AC11A2}"/>
+                </a:ext>
+              </a:extLst>
+            </p:cNvPr>
+            <p:cNvSpPr/>
+            <p:nvPr/>
+          </p:nvSpPr>
+          <p:spPr>
+            <a:xfrm>
+              <a:off x="4469626" y="4443274"/>
+              <a:ext cx="2032088" cy="382749"/>
+            </a:xfrm>
+            <a:prstGeom prst="frame">
+              <a:avLst/>
+            </a:prstGeom>
+            <a:solidFill>
+              <a:schemeClr val="accent6"/>
+            </a:solidFill>
+            <a:ln>
+              <a:solidFill>
+                <a:schemeClr val="accent6"/>
+              </a:solidFill>
+            </a:ln>
+          </p:spPr>
+          <p:style>
+            <a:lnRef idx="2">
+              <a:schemeClr val="accent1">
+                <a:shade val="15000"/>
+              </a:schemeClr>
+            </a:lnRef>
+            <a:fillRef idx="1">
+              <a:schemeClr val="accent1"/>
+            </a:fillRef>
+            <a:effectRef idx="0">
+              <a:schemeClr val="accent1"/>
+            </a:effectRef>
+            <a:fontRef idx="minor">
+              <a:schemeClr val="lt1"/>
+            </a:fontRef>
+          </p:style>
+          <p:txBody>
+            <a:bodyPr rtlCol="0" anchor="ctr"/>
+            <a:lstStyle/>
+            <a:p>
+              <a:pPr algn="ctr"/>
+              <a:endParaRPr kumimoji="1" lang="zh-TW" altLang="en-US" dirty="0">
+                <a:solidFill>
+                  <a:schemeClr val="tx1"/>
+                </a:solidFill>
+              </a:endParaRPr>
+            </a:p>
+          </p:txBody>
+        </p:sp>
+        <p:sp>
+          <p:nvSpPr>
+            <p:cNvPr id="8" name="框架 7">
+              <a:extLst>
+                <a:ext uri="{FF2B5EF4-FFF2-40B4-BE49-F238E27FC236}">
+                  <a16:creationId xmlns:a16="http://schemas.microsoft.com/office/drawing/2014/main" id="{E474E22E-A0E6-E99E-64DF-79B571B41FF9}"/>
+                </a:ext>
+              </a:extLst>
+            </p:cNvPr>
+            <p:cNvSpPr/>
+            <p:nvPr/>
+          </p:nvSpPr>
+          <p:spPr>
+            <a:xfrm>
+              <a:off x="4137650" y="4069943"/>
+              <a:ext cx="2032088" cy="382749"/>
+            </a:xfrm>
+            <a:prstGeom prst="frame">
+              <a:avLst/>
+            </a:prstGeom>
+            <a:solidFill>
+              <a:schemeClr val="accent6"/>
+            </a:solidFill>
+            <a:ln>
+              <a:solidFill>
+                <a:schemeClr val="accent6"/>
+              </a:solidFill>
+            </a:ln>
+          </p:spPr>
+          <p:style>
+            <a:lnRef idx="2">
+              <a:schemeClr val="accent1">
+                <a:shade val="15000"/>
+              </a:schemeClr>
+            </a:lnRef>
+            <a:fillRef idx="1">
+              <a:schemeClr val="accent1"/>
+            </a:fillRef>
+            <a:effectRef idx="0">
+              <a:schemeClr val="accent1"/>
+            </a:effectRef>
+            <a:fontRef idx="minor">
+              <a:schemeClr val="lt1"/>
+            </a:fontRef>
+          </p:style>
+          <p:txBody>
+            <a:bodyPr rtlCol="0" anchor="ctr"/>
+            <a:lstStyle/>
+            <a:p>
+              <a:pPr algn="ctr"/>
+              <a:endParaRPr kumimoji="1" lang="zh-TW" altLang="en-US" dirty="0">
+                <a:solidFill>
+                  <a:schemeClr val="tx1"/>
+                </a:solidFill>
+              </a:endParaRPr>
+            </a:p>
+          </p:txBody>
+        </p:sp>
+        <p:sp>
+          <p:nvSpPr>
+            <p:cNvPr id="14" name="框架 13">
+              <a:extLst>
+                <a:ext uri="{FF2B5EF4-FFF2-40B4-BE49-F238E27FC236}">
+                  <a16:creationId xmlns:a16="http://schemas.microsoft.com/office/drawing/2014/main" id="{8C29F04B-79D5-72CE-148E-83A4F9D47CBE}"/>
+                </a:ext>
+              </a:extLst>
+            </p:cNvPr>
+            <p:cNvSpPr/>
+            <p:nvPr/>
+          </p:nvSpPr>
+          <p:spPr>
+            <a:xfrm>
+              <a:off x="4076729" y="3712776"/>
+              <a:ext cx="2032088" cy="382749"/>
+            </a:xfrm>
+            <a:prstGeom prst="frame">
+              <a:avLst/>
+            </a:prstGeom>
+            <a:solidFill>
+              <a:schemeClr val="accent6"/>
+            </a:solidFill>
+            <a:ln>
+              <a:solidFill>
+                <a:schemeClr val="accent6"/>
+              </a:solidFill>
+            </a:ln>
+          </p:spPr>
+          <p:style>
+            <a:lnRef idx="2">
+              <a:schemeClr val="accent1">
+                <a:shade val="15000"/>
+              </a:schemeClr>
+            </a:lnRef>
+            <a:fillRef idx="1">
+              <a:schemeClr val="accent1"/>
+            </a:fillRef>
+            <a:effectRef idx="0">
+              <a:schemeClr val="accent1"/>
+            </a:effectRef>
+            <a:fontRef idx="minor">
+              <a:schemeClr val="lt1"/>
+            </a:fontRef>
+          </p:style>
+          <p:txBody>
+            <a:bodyPr rtlCol="0" anchor="ctr"/>
+            <a:lstStyle/>
+            <a:p>
+              <a:pPr algn="ctr"/>
+              <a:endParaRPr kumimoji="1" lang="zh-TW" altLang="en-US" dirty="0">
+                <a:solidFill>
+                  <a:schemeClr val="tx1"/>
+                </a:solidFill>
+              </a:endParaRPr>
+            </a:p>
+          </p:txBody>
+        </p:sp>
+        <p:sp>
+          <p:nvSpPr>
+            <p:cNvPr id="15" name="框架 14">
+              <a:extLst>
+                <a:ext uri="{FF2B5EF4-FFF2-40B4-BE49-F238E27FC236}">
+                  <a16:creationId xmlns:a16="http://schemas.microsoft.com/office/drawing/2014/main" id="{D5101F6B-04A2-6782-E8CF-A0BFBAB5E5C8}"/>
+                </a:ext>
+              </a:extLst>
+            </p:cNvPr>
+            <p:cNvSpPr/>
+            <p:nvPr/>
+          </p:nvSpPr>
+          <p:spPr>
+            <a:xfrm>
+              <a:off x="4251414" y="3321688"/>
+              <a:ext cx="2032088" cy="382749"/>
+            </a:xfrm>
+            <a:prstGeom prst="frame">
+              <a:avLst/>
+            </a:prstGeom>
+            <a:solidFill>
+              <a:schemeClr val="accent6"/>
+            </a:solidFill>
+            <a:ln>
+              <a:solidFill>
+                <a:schemeClr val="accent6"/>
+              </a:solidFill>
+            </a:ln>
+          </p:spPr>
+          <p:style>
+            <a:lnRef idx="2">
+              <a:schemeClr val="accent1">
+                <a:shade val="15000"/>
+              </a:schemeClr>
+            </a:lnRef>
+            <a:fillRef idx="1">
+              <a:schemeClr val="accent1"/>
+            </a:fillRef>
+            <a:effectRef idx="0">
+              <a:schemeClr val="accent1"/>
+            </a:effectRef>
+            <a:fontRef idx="minor">
+              <a:schemeClr val="lt1"/>
+            </a:fontRef>
+          </p:style>
+          <p:txBody>
+            <a:bodyPr rtlCol="0" anchor="ctr"/>
+            <a:lstStyle/>
+            <a:p>
+              <a:pPr algn="ctr"/>
+              <a:endParaRPr kumimoji="1" lang="zh-TW" altLang="en-US" dirty="0">
+                <a:solidFill>
+                  <a:schemeClr val="tx1"/>
+                </a:solidFill>
+              </a:endParaRPr>
+            </a:p>
+          </p:txBody>
+        </p:sp>
+        <p:sp>
+          <p:nvSpPr>
+            <p:cNvPr id="24" name="框架 23">
+              <a:extLst>
+                <a:ext uri="{FF2B5EF4-FFF2-40B4-BE49-F238E27FC236}">
+                  <a16:creationId xmlns:a16="http://schemas.microsoft.com/office/drawing/2014/main" id="{3EC619B4-0248-E1BF-378C-C3D3DB3A3815}"/>
+                </a:ext>
+              </a:extLst>
+            </p:cNvPr>
+            <p:cNvSpPr/>
+            <p:nvPr/>
+          </p:nvSpPr>
+          <p:spPr>
+            <a:xfrm>
+              <a:off x="4587330" y="2933474"/>
+              <a:ext cx="2032088" cy="382749"/>
+            </a:xfrm>
+            <a:prstGeom prst="frame">
+              <a:avLst/>
+            </a:prstGeom>
+            <a:solidFill>
+              <a:schemeClr val="accent6"/>
+            </a:solidFill>
+            <a:ln>
+              <a:solidFill>
+                <a:schemeClr val="accent6"/>
+              </a:solidFill>
+            </a:ln>
+          </p:spPr>
+          <p:style>
+            <a:lnRef idx="2">
+              <a:schemeClr val="accent1">
+                <a:shade val="15000"/>
+              </a:schemeClr>
+            </a:lnRef>
+            <a:fillRef idx="1">
+              <a:schemeClr val="accent1"/>
+            </a:fillRef>
+            <a:effectRef idx="0">
+              <a:schemeClr val="accent1"/>
+            </a:effectRef>
+            <a:fontRef idx="minor">
+              <a:schemeClr val="lt1"/>
+            </a:fontRef>
+          </p:style>
+          <p:txBody>
+            <a:bodyPr rtlCol="0" anchor="ctr"/>
+            <a:lstStyle/>
+            <a:p>
+              <a:pPr algn="ctr"/>
+              <a:endParaRPr kumimoji="1" lang="zh-TW" altLang="en-US" dirty="0">
+                <a:solidFill>
+                  <a:schemeClr val="tx1"/>
+                </a:solidFill>
+              </a:endParaRPr>
+            </a:p>
+          </p:txBody>
+        </p:sp>
+        <p:sp>
+          <p:nvSpPr>
+            <p:cNvPr id="25" name="框架 24">
+              <a:extLst>
+                <a:ext uri="{FF2B5EF4-FFF2-40B4-BE49-F238E27FC236}">
+                  <a16:creationId xmlns:a16="http://schemas.microsoft.com/office/drawing/2014/main" id="{D2CFD77B-E89F-509E-E20B-862620D527FF}"/>
+                </a:ext>
+              </a:extLst>
+            </p:cNvPr>
+            <p:cNvSpPr/>
+            <p:nvPr/>
+          </p:nvSpPr>
+          <p:spPr>
+            <a:xfrm>
+              <a:off x="4871627" y="2601936"/>
+              <a:ext cx="2032088" cy="382749"/>
+            </a:xfrm>
+            <a:prstGeom prst="frame">
+              <a:avLst/>
+            </a:prstGeom>
+            <a:solidFill>
+              <a:schemeClr val="accent6"/>
+            </a:solidFill>
+            <a:ln>
+              <a:solidFill>
+                <a:schemeClr val="accent6"/>
+              </a:solidFill>
+            </a:ln>
+          </p:spPr>
+          <p:style>
+            <a:lnRef idx="2">
+              <a:schemeClr val="accent1">
+                <a:shade val="15000"/>
+              </a:schemeClr>
+            </a:lnRef>
+            <a:fillRef idx="1">
+              <a:schemeClr val="accent1"/>
+            </a:fillRef>
+            <a:effectRef idx="0">
+              <a:schemeClr val="accent1"/>
+            </a:effectRef>
+            <a:fontRef idx="minor">
+              <a:schemeClr val="lt1"/>
+            </a:fontRef>
+          </p:style>
+          <p:txBody>
+            <a:bodyPr rtlCol="0" anchor="ctr"/>
+            <a:lstStyle/>
+            <a:p>
+              <a:pPr algn="ctr"/>
+              <a:endParaRPr kumimoji="1" lang="zh-TW" altLang="en-US" dirty="0">
+                <a:solidFill>
+                  <a:schemeClr val="tx1"/>
+                </a:solidFill>
+              </a:endParaRPr>
+            </a:p>
+          </p:txBody>
+        </p:sp>
+        <p:sp>
+          <p:nvSpPr>
+            <p:cNvPr id="29" name="框架 28">
+              <a:extLst>
+                <a:ext uri="{FF2B5EF4-FFF2-40B4-BE49-F238E27FC236}">
+                  <a16:creationId xmlns:a16="http://schemas.microsoft.com/office/drawing/2014/main" id="{65FE3C41-AC7E-2816-4371-B72CE943E6DC}"/>
+                </a:ext>
+              </a:extLst>
+            </p:cNvPr>
+            <p:cNvSpPr/>
+            <p:nvPr/>
+          </p:nvSpPr>
+          <p:spPr>
+            <a:xfrm>
+              <a:off x="5233896" y="2233954"/>
+              <a:ext cx="2032088" cy="382749"/>
+            </a:xfrm>
+            <a:prstGeom prst="frame">
+              <a:avLst/>
+            </a:prstGeom>
+            <a:solidFill>
+              <a:schemeClr val="accent6"/>
+            </a:solidFill>
+            <a:ln>
+              <a:solidFill>
+                <a:schemeClr val="accent6"/>
+              </a:solidFill>
+            </a:ln>
+          </p:spPr>
+          <p:style>
+            <a:lnRef idx="2">
+              <a:schemeClr val="accent1">
+                <a:shade val="15000"/>
+              </a:schemeClr>
+            </a:lnRef>
+            <a:fillRef idx="1">
+              <a:schemeClr val="accent1"/>
+            </a:fillRef>
+            <a:effectRef idx="0">
+              <a:schemeClr val="accent1"/>
+            </a:effectRef>
+            <a:fontRef idx="minor">
+              <a:schemeClr val="lt1"/>
+            </a:fontRef>
+          </p:style>
+          <p:txBody>
+            <a:bodyPr rtlCol="0" anchor="ctr"/>
+            <a:lstStyle/>
+            <a:p>
+              <a:pPr algn="ctr"/>
+              <a:endParaRPr kumimoji="1" lang="zh-TW" altLang="en-US" dirty="0">
+                <a:solidFill>
+                  <a:schemeClr val="tx1"/>
+                </a:solidFill>
+              </a:endParaRPr>
+            </a:p>
+          </p:txBody>
+        </p:sp>
+        <p:sp>
+          <p:nvSpPr>
+            <p:cNvPr id="31" name="框架 30">
+              <a:extLst>
+                <a:ext uri="{FF2B5EF4-FFF2-40B4-BE49-F238E27FC236}">
+                  <a16:creationId xmlns:a16="http://schemas.microsoft.com/office/drawing/2014/main" id="{4A22478A-50FE-D9D2-1194-1A538441B1B0}"/>
+                </a:ext>
+              </a:extLst>
+            </p:cNvPr>
+            <p:cNvSpPr/>
+            <p:nvPr/>
+          </p:nvSpPr>
+          <p:spPr>
+            <a:xfrm>
+              <a:off x="5746916" y="1876787"/>
+              <a:ext cx="2032088" cy="382749"/>
+            </a:xfrm>
+            <a:prstGeom prst="frame">
+              <a:avLst/>
+            </a:prstGeom>
+            <a:solidFill>
+              <a:schemeClr val="accent6"/>
+            </a:solidFill>
+            <a:ln>
+              <a:solidFill>
+                <a:schemeClr val="accent6"/>
+              </a:solidFill>
+            </a:ln>
+          </p:spPr>
+          <p:style>
+            <a:lnRef idx="2">
+              <a:schemeClr val="accent1">
+                <a:shade val="15000"/>
+              </a:schemeClr>
+            </a:lnRef>
+            <a:fillRef idx="1">
+              <a:schemeClr val="accent1"/>
+            </a:fillRef>
+            <a:effectRef idx="0">
+              <a:schemeClr val="accent1"/>
+            </a:effectRef>
+            <a:fontRef idx="minor">
+              <a:schemeClr val="lt1"/>
+            </a:fontRef>
+          </p:style>
+          <p:txBody>
+            <a:bodyPr rtlCol="0" anchor="ctr"/>
+            <a:lstStyle/>
+            <a:p>
+              <a:pPr algn="ctr"/>
+              <a:endParaRPr kumimoji="1" lang="zh-TW" altLang="en-US" dirty="0">
+                <a:solidFill>
+                  <a:schemeClr val="tx1"/>
+                </a:solidFill>
+              </a:endParaRPr>
+            </a:p>
+          </p:txBody>
+        </p:sp>
+        <p:sp>
+          <p:nvSpPr>
+            <p:cNvPr id="32" name="框架 31">
+              <a:extLst>
+                <a:ext uri="{FF2B5EF4-FFF2-40B4-BE49-F238E27FC236}">
+                  <a16:creationId xmlns:a16="http://schemas.microsoft.com/office/drawing/2014/main" id="{16D99E45-877F-D093-AD12-2DB862556A5F}"/>
+                </a:ext>
+              </a:extLst>
+            </p:cNvPr>
+            <p:cNvSpPr/>
+            <p:nvPr/>
+          </p:nvSpPr>
+          <p:spPr>
+            <a:xfrm>
+              <a:off x="6210835" y="1520626"/>
+              <a:ext cx="2032088" cy="382749"/>
+            </a:xfrm>
+            <a:prstGeom prst="frame">
+              <a:avLst/>
+            </a:prstGeom>
+            <a:solidFill>
+              <a:schemeClr val="accent6"/>
+            </a:solidFill>
+            <a:ln>
+              <a:solidFill>
+                <a:schemeClr val="accent6"/>
+              </a:solidFill>
+            </a:ln>
+          </p:spPr>
+          <p:style>
+            <a:lnRef idx="2">
+              <a:schemeClr val="accent1">
+                <a:shade val="15000"/>
+              </a:schemeClr>
+            </a:lnRef>
+            <a:fillRef idx="1">
+              <a:schemeClr val="accent1"/>
+            </a:fillRef>
+            <a:effectRef idx="0">
+              <a:schemeClr val="accent1"/>
+            </a:effectRef>
+            <a:fontRef idx="minor">
+              <a:schemeClr val="lt1"/>
+            </a:fontRef>
+          </p:style>
+          <p:txBody>
+            <a:bodyPr rtlCol="0" anchor="ctr"/>
+            <a:lstStyle/>
+            <a:p>
+              <a:pPr algn="ctr"/>
+              <a:endParaRPr kumimoji="1" lang="zh-TW" altLang="en-US" dirty="0">
+                <a:solidFill>
+                  <a:schemeClr val="tx1"/>
+                </a:solidFill>
+              </a:endParaRPr>
+            </a:p>
+          </p:txBody>
+        </p:sp>
+      </p:grpSp>
+    </p:spTree>
+    <p:extLst>
+      <p:ext uri="{BB962C8B-B14F-4D97-AF65-F5344CB8AC3E}">
+        <p14:creationId xmlns:p14="http://schemas.microsoft.com/office/powerpoint/2010/main" val="854143223"/>
+      </p:ext>
+    </p:extLst>
+  </p:cSld>
+  <p:clrMapOvr>
+    <a:masterClrMapping/>
+  </p:clrMapOvr>
+</p:sld>
+</file>
+
+<file path=ppt/slides/slide11.xml><?xml version="1.0" encoding="utf-8"?>
 <p:sld xmlns:a="http://schemas.openxmlformats.org/drawingml/2006/main" xmlns:r="http://schemas.openxmlformats.org/officeDocument/2006/relationships" xmlns:p="http://schemas.openxmlformats.org/presentationml/2006/main">
   <p:cSld>
     <p:spTree>
@@ -5419,8 +6945,8 @@
               </a:fontRef>
             </p:style>
           </p:cxnSp>
-          <mc:AlternateContent xmlns:mc="http://schemas.openxmlformats.org/markup-compatibility/2006">
-            <mc:Choice xmlns:a14="http://schemas.microsoft.com/office/drawing/2010/main" Requires="a14">
+          <mc:AlternateContent xmlns:mc="http://schemas.openxmlformats.org/markup-compatibility/2006" xmlns:a14="http://schemas.microsoft.com/office/drawing/2010/main">
+            <mc:Choice Requires="a14">
               <p:sp>
                 <p:nvSpPr>
                   <p:cNvPr id="23" name="文字方塊 22">
@@ -5489,7 +7015,7 @@
                 </p:txBody>
               </p:sp>
             </mc:Choice>
-            <mc:Fallback>
+            <mc:Fallback xmlns="">
               <p:sp>
                 <p:nvSpPr>
                   <p:cNvPr id="23" name="文字方塊 22">
@@ -5549,7 +7075,7 @@
 </p:sld>
 </file>
 
-<file path=ppt/slides/slide11.xml><?xml version="1.0" encoding="utf-8"?>
+<file path=ppt/slides/slide12.xml><?xml version="1.0" encoding="utf-8"?>
 <p:sld xmlns:a="http://schemas.openxmlformats.org/drawingml/2006/main" xmlns:r="http://schemas.openxmlformats.org/officeDocument/2006/relationships" xmlns:p="http://schemas.openxmlformats.org/presentationml/2006/main">
   <p:cSld>
     <p:spTree>
@@ -7228,7 +8754,7 @@
 </p:sld>
 </file>
 
-<file path=ppt/slides/slide12.xml><?xml version="1.0" encoding="utf-8"?>
+<file path=ppt/slides/slide13.xml><?xml version="1.0" encoding="utf-8"?>
 <p:sld xmlns:a="http://schemas.openxmlformats.org/drawingml/2006/main" xmlns:r="http://schemas.openxmlformats.org/officeDocument/2006/relationships" xmlns:p="http://schemas.openxmlformats.org/presentationml/2006/main">
   <p:cSld>
     <p:spTree>
@@ -8266,7 +9792,7 @@
 </p:sld>
 </file>
 
-<file path=ppt/slides/slide13.xml><?xml version="1.0" encoding="utf-8"?>
+<file path=ppt/slides/slide14.xml><?xml version="1.0" encoding="utf-8"?>
 <p:sld xmlns:a="http://schemas.openxmlformats.org/drawingml/2006/main" xmlns:r="http://schemas.openxmlformats.org/officeDocument/2006/relationships" xmlns:p="http://schemas.openxmlformats.org/presentationml/2006/main">
   <p:cSld>
     <p:spTree>
@@ -9549,7 +11075,7 @@
 </p:sld>
 </file>
 
-<file path=ppt/slides/slide14.xml><?xml version="1.0" encoding="utf-8"?>
+<file path=ppt/slides/slide15.xml><?xml version="1.0" encoding="utf-8"?>
 <p:sld xmlns:a="http://schemas.openxmlformats.org/drawingml/2006/main" xmlns:r="http://schemas.openxmlformats.org/officeDocument/2006/relationships" xmlns:p="http://schemas.openxmlformats.org/presentationml/2006/main">
   <p:cSld>
     <p:spTree>
@@ -10610,7 +12136,7 @@
 </p:sld>
 </file>
 
-<file path=ppt/slides/slide15.xml><?xml version="1.0" encoding="utf-8"?>
+<file path=ppt/slides/slide16.xml><?xml version="1.0" encoding="utf-8"?>
 <p:sld xmlns:a="http://schemas.openxmlformats.org/drawingml/2006/main" xmlns:r="http://schemas.openxmlformats.org/officeDocument/2006/relationships" xmlns:p="http://schemas.openxmlformats.org/presentationml/2006/main">
   <p:cSld>
     <p:spTree>
@@ -11723,7 +13249,7 @@
 </p:sld>
 </file>
 
-<file path=ppt/slides/slide16.xml><?xml version="1.0" encoding="utf-8"?>
+<file path=ppt/slides/slide17.xml><?xml version="1.0" encoding="utf-8"?>
 <p:sld xmlns:a="http://schemas.openxmlformats.org/drawingml/2006/main" xmlns:r="http://schemas.openxmlformats.org/officeDocument/2006/relationships" xmlns:p="http://schemas.openxmlformats.org/presentationml/2006/main">
   <p:cSld>
     <p:spTree>
@@ -12811,8 +14337,8 @@
               </p:nvSpPr>
               <p:spPr>
                 <a:xfrm>
-                  <a:off x="7613453" y="1917665"/>
-                  <a:ext cx="630425" cy="664862"/>
+                  <a:off x="7613453" y="2055752"/>
+                  <a:ext cx="721943" cy="450188"/>
                 </a:xfrm>
                 <a:prstGeom prst="rect">
                   <a:avLst/>
@@ -12867,87 +14393,24 @@
                               </m:mPr>
                               <m:mr>
                                 <m:e>
-                                  <m:sSub>
-                                    <m:sSubPr>
-                                      <m:ctrlPr>
-                                        <a:rPr kumimoji="1" lang="en-US" altLang="zh-TW" sz="1400" i="1">
-                                          <a:solidFill>
-                                            <a:schemeClr val="tx1"/>
-                                          </a:solidFill>
-                                          <a:latin typeface="Cambria Math" panose="02040503050406030204" pitchFamily="18" charset="0"/>
-                                        </a:rPr>
-                                      </m:ctrlPr>
-                                    </m:sSubPr>
-                                    <m:e>
-                                      <m:r>
-                                        <a:rPr kumimoji="1" lang="en-US" altLang="zh-TW" sz="1400" i="1">
-                                          <a:solidFill>
-                                            <a:schemeClr val="tx1"/>
-                                          </a:solidFill>
-                                          <a:latin typeface="Cambria Math" panose="02040503050406030204" pitchFamily="18" charset="0"/>
-                                        </a:rPr>
-                                        <m:t>𝑉</m:t>
-                                      </m:r>
-                                    </m:e>
-                                    <m:sub>
-                                      <m:r>
-                                        <a:rPr kumimoji="1" lang="en-US" altLang="zh-TW" sz="1400" i="1">
-                                          <a:solidFill>
-                                            <a:schemeClr val="tx1"/>
-                                          </a:solidFill>
-                                          <a:latin typeface="Cambria Math" panose="02040503050406030204" pitchFamily="18" charset="0"/>
-                                        </a:rPr>
-                                        <m:t>𝑥</m:t>
-                                      </m:r>
-                                    </m:sub>
-                                  </m:sSub>
-                                </m:e>
-                              </m:mr>
-                              <m:mr>
-                                <m:e>
-                                  <m:sSub>
-                                    <m:sSubPr>
-                                      <m:ctrlPr>
-                                        <a:rPr kumimoji="1" lang="en-US" altLang="zh-TW" sz="1400" i="1">
-                                          <a:solidFill>
-                                            <a:schemeClr val="tx1"/>
-                                          </a:solidFill>
-                                          <a:latin typeface="Cambria Math" panose="02040503050406030204" pitchFamily="18" charset="0"/>
-                                        </a:rPr>
-                                      </m:ctrlPr>
-                                    </m:sSubPr>
-                                    <m:e>
-                                      <m:r>
-                                        <a:rPr kumimoji="1" lang="en-US" altLang="zh-TW" sz="1400" i="1">
-                                          <a:solidFill>
-                                            <a:schemeClr val="tx1"/>
-                                          </a:solidFill>
-                                          <a:latin typeface="Cambria Math" panose="02040503050406030204" pitchFamily="18" charset="0"/>
-                                        </a:rPr>
-                                        <m:t>𝑉</m:t>
-                                      </m:r>
-                                    </m:e>
-                                    <m:sub>
-                                      <m:r>
-                                        <a:rPr kumimoji="1" lang="en-US" altLang="zh-TW" sz="1400" b="0" i="1" smtClean="0">
-                                          <a:solidFill>
-                                            <a:schemeClr val="tx1"/>
-                                          </a:solidFill>
-                                          <a:latin typeface="Cambria Math" panose="02040503050406030204" pitchFamily="18" charset="0"/>
-                                        </a:rPr>
-                                        <m:t>𝑦</m:t>
-                                      </m:r>
-                                    </m:sub>
-                                  </m:sSub>
+                                  <m:r>
+                                    <m:rPr>
+                                      <m:brk m:alnAt="7"/>
+                                    </m:rPr>
+                                    <a:rPr kumimoji="1" lang="en-US" altLang="zh-TW" sz="1400" b="0" i="1" smtClean="0">
+                                      <a:solidFill>
+                                        <a:schemeClr val="tx1"/>
+                                      </a:solidFill>
+                                      <a:latin typeface="Cambria Math" panose="02040503050406030204" pitchFamily="18" charset="0"/>
+                                    </a:rPr>
+                                    <m:t>𝑉</m:t>
+                                  </m:r>
                                 </m:e>
                               </m:mr>
                               <m:mr>
                                 <m:e>
                                   <m:r>
-                                    <a:rPr kumimoji="1" lang="en-US" altLang="zh-TW" sz="1400" i="1" smtClean="0">
-                                      <a:solidFill>
-                                        <a:schemeClr val="tx1"/>
-                                      </a:solidFill>
+                                    <a:rPr kumimoji="1" lang="en-US" altLang="zh-TW" sz="1400" i="1">
                                       <a:latin typeface="Cambria Math" panose="02040503050406030204" pitchFamily="18" charset="0"/>
                                       <a:ea typeface="Cambria Math" panose="02040503050406030204" pitchFamily="18" charset="0"/>
                                     </a:rPr>
@@ -12987,8 +14450,8 @@
               </p:nvSpPr>
               <p:spPr>
                 <a:xfrm>
-                  <a:off x="7613453" y="1917665"/>
-                  <a:ext cx="630425" cy="664862"/>
+                  <a:off x="7613453" y="2055752"/>
+                  <a:ext cx="721943" cy="450188"/>
                 </a:xfrm>
                 <a:prstGeom prst="rect">
                   <a:avLst/>
@@ -13029,7 +14492,7 @@
 </p:sld>
 </file>
 
-<file path=ppt/slides/slide17.xml><?xml version="1.0" encoding="utf-8"?>
+<file path=ppt/slides/slide18.xml><?xml version="1.0" encoding="utf-8"?>
 <p:sld xmlns:a="http://schemas.openxmlformats.org/drawingml/2006/main" xmlns:r="http://schemas.openxmlformats.org/officeDocument/2006/relationships" xmlns:p="http://schemas.openxmlformats.org/presentationml/2006/main">
   <p:cSld>
     <p:spTree>
@@ -13751,7 +15214,7 @@
 </p:sld>
 </file>
 
-<file path=ppt/slides/slide18.xml><?xml version="1.0" encoding="utf-8"?>
+<file path=ppt/slides/slide19.xml><?xml version="1.0" encoding="utf-8"?>
 <p:sld xmlns:a="http://schemas.openxmlformats.org/drawingml/2006/main" xmlns:r="http://schemas.openxmlformats.org/officeDocument/2006/relationships" xmlns:p="http://schemas.openxmlformats.org/presentationml/2006/main">
   <p:cSld>
     <p:spTree>
@@ -15195,6 +16658,36 @@
           <a:chExt cx="0" cy="0"/>
         </a:xfrm>
       </p:grpSpPr>
+    </p:spTree>
+    <p:extLst>
+      <p:ext uri="{BB962C8B-B14F-4D97-AF65-F5344CB8AC3E}">
+        <p14:creationId xmlns:p14="http://schemas.microsoft.com/office/powerpoint/2010/main" val="201939977"/>
+      </p:ext>
+    </p:extLst>
+  </p:cSld>
+  <p:clrMapOvr>
+    <a:masterClrMapping/>
+  </p:clrMapOvr>
+</p:sld>
+</file>
+
+<file path=ppt/slides/slide3.xml><?xml version="1.0" encoding="utf-8"?>
+<p:sld xmlns:a="http://schemas.openxmlformats.org/drawingml/2006/main" xmlns:r="http://schemas.openxmlformats.org/officeDocument/2006/relationships" xmlns:p="http://schemas.openxmlformats.org/presentationml/2006/main">
+  <p:cSld>
+    <p:spTree>
+      <p:nvGrpSpPr>
+        <p:cNvPr id="1" name=""/>
+        <p:cNvGrpSpPr/>
+        <p:nvPr/>
+      </p:nvGrpSpPr>
+      <p:grpSpPr>
+        <a:xfrm>
+          <a:off x="0" y="0"/>
+          <a:ext cx="0" cy="0"/>
+          <a:chOff x="0" y="0"/>
+          <a:chExt cx="0" cy="0"/>
+        </a:xfrm>
+      </p:grpSpPr>
       <p:grpSp>
         <p:nvGrpSpPr>
           <p:cNvPr id="62" name="群組 61">
@@ -16028,6 +17521,658 @@
           </p:grpSp>
         </p:grpSp>
       </p:grpSp>
+      <p:grpSp>
+        <p:nvGrpSpPr>
+          <p:cNvPr id="2" name="群組 1">
+            <a:extLst>
+              <a:ext uri="{FF2B5EF4-FFF2-40B4-BE49-F238E27FC236}">
+                <a16:creationId xmlns:a16="http://schemas.microsoft.com/office/drawing/2014/main" id="{CB0694E9-A619-9A24-D4FC-FD99CC251EA4}"/>
+              </a:ext>
+            </a:extLst>
+          </p:cNvPr>
+          <p:cNvGrpSpPr/>
+          <p:nvPr/>
+        </p:nvGrpSpPr>
+        <p:grpSpPr>
+          <a:xfrm>
+            <a:off x="1074566" y="2139425"/>
+            <a:ext cx="2858220" cy="2950234"/>
+            <a:chOff x="4698520" y="2087592"/>
+            <a:chExt cx="2858220" cy="2950234"/>
+          </a:xfrm>
+        </p:grpSpPr>
+        <p:sp>
+          <p:nvSpPr>
+            <p:cNvPr id="3" name="矩形 2">
+              <a:extLst>
+                <a:ext uri="{FF2B5EF4-FFF2-40B4-BE49-F238E27FC236}">
+                  <a16:creationId xmlns:a16="http://schemas.microsoft.com/office/drawing/2014/main" id="{CEEB7F8C-05E7-40AC-EA5C-5B1A98896260}"/>
+                </a:ext>
+              </a:extLst>
+            </p:cNvPr>
+            <p:cNvSpPr/>
+            <p:nvPr/>
+          </p:nvSpPr>
+          <p:spPr>
+            <a:xfrm>
+              <a:off x="4698520" y="2087592"/>
+              <a:ext cx="2858220" cy="2950234"/>
+            </a:xfrm>
+            <a:prstGeom prst="rect">
+              <a:avLst/>
+            </a:prstGeom>
+            <a:solidFill>
+              <a:schemeClr val="bg1"/>
+            </a:solidFill>
+            <a:ln>
+              <a:noFill/>
+            </a:ln>
+          </p:spPr>
+          <p:style>
+            <a:lnRef idx="2">
+              <a:schemeClr val="accent1">
+                <a:shade val="15000"/>
+              </a:schemeClr>
+            </a:lnRef>
+            <a:fillRef idx="1">
+              <a:schemeClr val="accent1"/>
+            </a:fillRef>
+            <a:effectRef idx="0">
+              <a:schemeClr val="accent1"/>
+            </a:effectRef>
+            <a:fontRef idx="minor">
+              <a:schemeClr val="lt1"/>
+            </a:fontRef>
+          </p:style>
+          <p:txBody>
+            <a:bodyPr rtlCol="0" anchor="ctr"/>
+            <a:lstStyle/>
+            <a:p>
+              <a:pPr algn="ctr"/>
+              <a:endParaRPr kumimoji="1" lang="zh-TW" altLang="en-US"/>
+            </a:p>
+          </p:txBody>
+        </p:sp>
+        <p:grpSp>
+          <p:nvGrpSpPr>
+            <p:cNvPr id="4" name="群組 3">
+              <a:extLst>
+                <a:ext uri="{FF2B5EF4-FFF2-40B4-BE49-F238E27FC236}">
+                  <a16:creationId xmlns:a16="http://schemas.microsoft.com/office/drawing/2014/main" id="{86FAE10E-8DC9-29FD-BE0A-5406710BA44E}"/>
+                </a:ext>
+              </a:extLst>
+            </p:cNvPr>
+            <p:cNvGrpSpPr/>
+            <p:nvPr/>
+          </p:nvGrpSpPr>
+          <p:grpSpPr>
+            <a:xfrm>
+              <a:off x="5266128" y="2209670"/>
+              <a:ext cx="1631799" cy="2171385"/>
+              <a:chOff x="7750459" y="4289502"/>
+              <a:chExt cx="1631799" cy="2171385"/>
+            </a:xfrm>
+          </p:grpSpPr>
+          <p:grpSp>
+            <p:nvGrpSpPr>
+              <p:cNvPr id="5" name="群組 4">
+                <a:extLst>
+                  <a:ext uri="{FF2B5EF4-FFF2-40B4-BE49-F238E27FC236}">
+                    <a16:creationId xmlns:a16="http://schemas.microsoft.com/office/drawing/2014/main" id="{C7BFC298-D89E-FACA-8CB7-0FB473EBE1E8}"/>
+                  </a:ext>
+                </a:extLst>
+              </p:cNvPr>
+              <p:cNvGrpSpPr/>
+              <p:nvPr/>
+            </p:nvGrpSpPr>
+            <p:grpSpPr>
+              <a:xfrm>
+                <a:off x="7750459" y="5136910"/>
+                <a:ext cx="1631799" cy="1323977"/>
+                <a:chOff x="9907630" y="2767011"/>
+                <a:chExt cx="1631799" cy="1323977"/>
+              </a:xfrm>
+            </p:grpSpPr>
+            <p:sp>
+              <p:nvSpPr>
+                <p:cNvPr id="13" name="矩形 12">
+                  <a:extLst>
+                    <a:ext uri="{FF2B5EF4-FFF2-40B4-BE49-F238E27FC236}">
+                      <a16:creationId xmlns:a16="http://schemas.microsoft.com/office/drawing/2014/main" id="{86755AB1-C63F-A999-176D-C4CD8D33AA83}"/>
+                    </a:ext>
+                  </a:extLst>
+                </p:cNvPr>
+                <p:cNvSpPr/>
+                <p:nvPr/>
+              </p:nvSpPr>
+              <p:spPr>
+                <a:xfrm>
+                  <a:off x="10222649" y="2767011"/>
+                  <a:ext cx="1001761" cy="1323977"/>
+                </a:xfrm>
+                <a:prstGeom prst="rect">
+                  <a:avLst/>
+                </a:prstGeom>
+              </p:spPr>
+              <p:style>
+                <a:lnRef idx="2">
+                  <a:schemeClr val="dk1"/>
+                </a:lnRef>
+                <a:fillRef idx="1">
+                  <a:schemeClr val="lt1"/>
+                </a:fillRef>
+                <a:effectRef idx="0">
+                  <a:schemeClr val="dk1"/>
+                </a:effectRef>
+                <a:fontRef idx="minor">
+                  <a:schemeClr val="dk1"/>
+                </a:fontRef>
+              </p:style>
+              <p:txBody>
+                <a:bodyPr rtlCol="0" anchor="ctr"/>
+                <a:lstStyle/>
+                <a:p>
+                  <a:pPr algn="ctr"/>
+                  <a:endParaRPr kumimoji="1" lang="zh-TW" altLang="en-US"/>
+                </a:p>
+              </p:txBody>
+            </p:sp>
+            <p:sp>
+              <p:nvSpPr>
+                <p:cNvPr id="14" name="矩形 13">
+                  <a:extLst>
+                    <a:ext uri="{FF2B5EF4-FFF2-40B4-BE49-F238E27FC236}">
+                      <a16:creationId xmlns:a16="http://schemas.microsoft.com/office/drawing/2014/main" id="{9B2AEAA0-A198-C653-2BE2-49F915ACB666}"/>
+                    </a:ext>
+                  </a:extLst>
+                </p:cNvPr>
+                <p:cNvSpPr/>
+                <p:nvPr/>
+              </p:nvSpPr>
+              <p:spPr>
+                <a:xfrm>
+                  <a:off x="11224410" y="2862244"/>
+                  <a:ext cx="315019" cy="478490"/>
+                </a:xfrm>
+                <a:prstGeom prst="rect">
+                  <a:avLst/>
+                </a:prstGeom>
+              </p:spPr>
+              <p:style>
+                <a:lnRef idx="2">
+                  <a:schemeClr val="dk1"/>
+                </a:lnRef>
+                <a:fillRef idx="1">
+                  <a:schemeClr val="lt1"/>
+                </a:fillRef>
+                <a:effectRef idx="0">
+                  <a:schemeClr val="dk1"/>
+                </a:effectRef>
+                <a:fontRef idx="minor">
+                  <a:schemeClr val="dk1"/>
+                </a:fontRef>
+              </p:style>
+              <p:txBody>
+                <a:bodyPr rtlCol="0" anchor="ctr"/>
+                <a:lstStyle/>
+                <a:p>
+                  <a:pPr algn="ctr"/>
+                  <a:endParaRPr kumimoji="1" lang="zh-TW" altLang="en-US"/>
+                </a:p>
+              </p:txBody>
+            </p:sp>
+            <p:sp>
+              <p:nvSpPr>
+                <p:cNvPr id="15" name="矩形 14">
+                  <a:extLst>
+                    <a:ext uri="{FF2B5EF4-FFF2-40B4-BE49-F238E27FC236}">
+                      <a16:creationId xmlns:a16="http://schemas.microsoft.com/office/drawing/2014/main" id="{BF02515A-8549-0A8F-3AB5-C6F47265570E}"/>
+                    </a:ext>
+                  </a:extLst>
+                </p:cNvPr>
+                <p:cNvSpPr/>
+                <p:nvPr/>
+              </p:nvSpPr>
+              <p:spPr>
+                <a:xfrm>
+                  <a:off x="11224410" y="3503328"/>
+                  <a:ext cx="315019" cy="478490"/>
+                </a:xfrm>
+                <a:prstGeom prst="rect">
+                  <a:avLst/>
+                </a:prstGeom>
+              </p:spPr>
+              <p:style>
+                <a:lnRef idx="2">
+                  <a:schemeClr val="dk1"/>
+                </a:lnRef>
+                <a:fillRef idx="1">
+                  <a:schemeClr val="lt1"/>
+                </a:fillRef>
+                <a:effectRef idx="0">
+                  <a:schemeClr val="dk1"/>
+                </a:effectRef>
+                <a:fontRef idx="minor">
+                  <a:schemeClr val="dk1"/>
+                </a:fontRef>
+              </p:style>
+              <p:txBody>
+                <a:bodyPr rtlCol="0" anchor="ctr"/>
+                <a:lstStyle/>
+                <a:p>
+                  <a:pPr algn="ctr"/>
+                  <a:endParaRPr kumimoji="1" lang="zh-TW" altLang="en-US" dirty="0"/>
+                </a:p>
+              </p:txBody>
+            </p:sp>
+            <p:sp>
+              <p:nvSpPr>
+                <p:cNvPr id="16" name="矩形 15">
+                  <a:extLst>
+                    <a:ext uri="{FF2B5EF4-FFF2-40B4-BE49-F238E27FC236}">
+                      <a16:creationId xmlns:a16="http://schemas.microsoft.com/office/drawing/2014/main" id="{DE65A5AF-26E7-158B-A105-1031AEB768BF}"/>
+                    </a:ext>
+                  </a:extLst>
+                </p:cNvPr>
+                <p:cNvSpPr/>
+                <p:nvPr/>
+              </p:nvSpPr>
+              <p:spPr>
+                <a:xfrm>
+                  <a:off x="9907630" y="3503328"/>
+                  <a:ext cx="315019" cy="478490"/>
+                </a:xfrm>
+                <a:prstGeom prst="rect">
+                  <a:avLst/>
+                </a:prstGeom>
+              </p:spPr>
+              <p:style>
+                <a:lnRef idx="2">
+                  <a:schemeClr val="dk1"/>
+                </a:lnRef>
+                <a:fillRef idx="1">
+                  <a:schemeClr val="lt1"/>
+                </a:fillRef>
+                <a:effectRef idx="0">
+                  <a:schemeClr val="dk1"/>
+                </a:effectRef>
+                <a:fontRef idx="minor">
+                  <a:schemeClr val="dk1"/>
+                </a:fontRef>
+              </p:style>
+              <p:txBody>
+                <a:bodyPr rtlCol="0" anchor="ctr"/>
+                <a:lstStyle/>
+                <a:p>
+                  <a:pPr algn="ctr"/>
+                  <a:endParaRPr kumimoji="1" lang="zh-TW" altLang="en-US"/>
+                </a:p>
+              </p:txBody>
+            </p:sp>
+            <p:sp>
+              <p:nvSpPr>
+                <p:cNvPr id="17" name="矩形 16">
+                  <a:extLst>
+                    <a:ext uri="{FF2B5EF4-FFF2-40B4-BE49-F238E27FC236}">
+                      <a16:creationId xmlns:a16="http://schemas.microsoft.com/office/drawing/2014/main" id="{596D0C10-507C-5818-36F9-33B162B62DE1}"/>
+                    </a:ext>
+                  </a:extLst>
+                </p:cNvPr>
+                <p:cNvSpPr/>
+                <p:nvPr/>
+              </p:nvSpPr>
+              <p:spPr>
+                <a:xfrm>
+                  <a:off x="9907630" y="2845985"/>
+                  <a:ext cx="315019" cy="478490"/>
+                </a:xfrm>
+                <a:prstGeom prst="rect">
+                  <a:avLst/>
+                </a:prstGeom>
+              </p:spPr>
+              <p:style>
+                <a:lnRef idx="2">
+                  <a:schemeClr val="dk1"/>
+                </a:lnRef>
+                <a:fillRef idx="1">
+                  <a:schemeClr val="lt1"/>
+                </a:fillRef>
+                <a:effectRef idx="0">
+                  <a:schemeClr val="dk1"/>
+                </a:effectRef>
+                <a:fontRef idx="minor">
+                  <a:schemeClr val="dk1"/>
+                </a:fontRef>
+              </p:style>
+              <p:txBody>
+                <a:bodyPr rtlCol="0" anchor="ctr"/>
+                <a:lstStyle/>
+                <a:p>
+                  <a:pPr algn="ctr"/>
+                  <a:endParaRPr kumimoji="1" lang="zh-TW" altLang="en-US"/>
+                </a:p>
+              </p:txBody>
+            </p:sp>
+          </p:grpSp>
+          <p:grpSp>
+            <p:nvGrpSpPr>
+              <p:cNvPr id="6" name="群組 5">
+                <a:extLst>
+                  <a:ext uri="{FF2B5EF4-FFF2-40B4-BE49-F238E27FC236}">
+                    <a16:creationId xmlns:a16="http://schemas.microsoft.com/office/drawing/2014/main" id="{B377D84F-6638-F91A-DAFE-73FA52E4BD2C}"/>
+                  </a:ext>
+                </a:extLst>
+              </p:cNvPr>
+              <p:cNvGrpSpPr/>
+              <p:nvPr/>
+            </p:nvGrpSpPr>
+            <p:grpSpPr>
+              <a:xfrm>
+                <a:off x="7941995" y="4289502"/>
+                <a:ext cx="1283866" cy="2145731"/>
+                <a:chOff x="7443546" y="3954676"/>
+                <a:chExt cx="1283866" cy="2145731"/>
+              </a:xfrm>
+            </p:grpSpPr>
+            <p:cxnSp>
+              <p:nvCxnSpPr>
+                <p:cNvPr id="8" name="直線接點 7">
+                  <a:extLst>
+                    <a:ext uri="{FF2B5EF4-FFF2-40B4-BE49-F238E27FC236}">
+                      <a16:creationId xmlns:a16="http://schemas.microsoft.com/office/drawing/2014/main" id="{FE843515-BEFD-5021-A370-43B1CCA9062A}"/>
+                    </a:ext>
+                  </a:extLst>
+                </p:cNvPr>
+                <p:cNvCxnSpPr>
+                  <a:cxnSpLocks/>
+                </p:cNvCxnSpPr>
+                <p:nvPr/>
+              </p:nvCxnSpPr>
+              <p:spPr>
+                <a:xfrm>
+                  <a:off x="8097589" y="4388491"/>
+                  <a:ext cx="0" cy="1074751"/>
+                </a:xfrm>
+                <a:prstGeom prst="line">
+                  <a:avLst/>
+                </a:prstGeom>
+                <a:ln w="38100">
+                  <a:solidFill>
+                    <a:schemeClr val="tx1"/>
+                  </a:solidFill>
+                  <a:prstDash val="solid"/>
+                  <a:round/>
+                  <a:headEnd type="triangle" w="lg" len="lg"/>
+                  <a:tailEnd type="oval" w="med" len="med"/>
+                </a:ln>
+              </p:spPr>
+              <p:style>
+                <a:lnRef idx="1">
+                  <a:schemeClr val="accent1"/>
+                </a:lnRef>
+                <a:fillRef idx="0">
+                  <a:schemeClr val="accent1"/>
+                </a:fillRef>
+                <a:effectRef idx="0">
+                  <a:schemeClr val="accent1"/>
+                </a:effectRef>
+                <a:fontRef idx="minor">
+                  <a:schemeClr val="tx1"/>
+                </a:fontRef>
+              </p:style>
+            </p:cxnSp>
+            <mc:AlternateContent xmlns:mc="http://schemas.openxmlformats.org/markup-compatibility/2006" xmlns:a14="http://schemas.microsoft.com/office/drawing/2010/main">
+              <mc:Choice Requires="a14">
+                <p:sp>
+                  <p:nvSpPr>
+                    <p:cNvPr id="10" name="文字方塊 9">
+                      <a:extLst>
+                        <a:ext uri="{FF2B5EF4-FFF2-40B4-BE49-F238E27FC236}">
+                          <a16:creationId xmlns:a16="http://schemas.microsoft.com/office/drawing/2014/main" id="{14265FDE-D856-BA71-99E3-5CC8E78E0140}"/>
+                        </a:ext>
+                      </a:extLst>
+                    </p:cNvPr>
+                    <p:cNvSpPr txBox="1"/>
+                    <p:nvPr/>
+                  </p:nvSpPr>
+                  <p:spPr>
+                    <a:xfrm>
+                      <a:off x="7952197" y="3954676"/>
+                      <a:ext cx="271036" cy="369332"/>
+                    </a:xfrm>
+                    <a:prstGeom prst="rect">
+                      <a:avLst/>
+                    </a:prstGeom>
+                    <a:noFill/>
+                  </p:spPr>
+                  <p:txBody>
+                    <a:bodyPr wrap="none" lIns="0" tIns="0" rIns="0" bIns="0" rtlCol="0">
+                      <a:spAutoFit/>
+                    </a:bodyPr>
+                    <a:lstStyle/>
+                    <a:p>
+                      <a:pPr/>
+                      <a14:m>
+                        <m:oMathPara xmlns:m="http://schemas.openxmlformats.org/officeDocument/2006/math">
+                          <m:oMathParaPr>
+                            <m:jc m:val="centerGroup"/>
+                          </m:oMathParaPr>
+                          <m:oMath xmlns:m="http://schemas.openxmlformats.org/officeDocument/2006/math">
+                            <m:r>
+                              <a:rPr kumimoji="1" lang="en-US" altLang="zh-TW" sz="2400" b="0" i="1" smtClean="0">
+                                <a:latin typeface="Cambria Math" panose="02040503050406030204" pitchFamily="18" charset="0"/>
+                              </a:rPr>
+                              <m:t>𝑉</m:t>
+                            </m:r>
+                          </m:oMath>
+                        </m:oMathPara>
+                      </a14:m>
+                      <a:endParaRPr kumimoji="1" lang="zh-TW" altLang="en-US" sz="2400" dirty="0"/>
+                    </a:p>
+                  </p:txBody>
+                </p:sp>
+              </mc:Choice>
+              <mc:Fallback xmlns="">
+                <p:sp>
+                  <p:nvSpPr>
+                    <p:cNvPr id="10" name="文字方塊 9">
+                      <a:extLst>
+                        <a:ext uri="{FF2B5EF4-FFF2-40B4-BE49-F238E27FC236}">
+                          <a16:creationId xmlns:a16="http://schemas.microsoft.com/office/drawing/2014/main" id="{14265FDE-D856-BA71-99E3-5CC8E78E0140}"/>
+                        </a:ext>
+                      </a:extLst>
+                    </p:cNvPr>
+                    <p:cNvSpPr txBox="1">
+                      <a:spLocks noRot="1" noChangeAspect="1" noMove="1" noResize="1" noEditPoints="1" noAdjustHandles="1" noChangeArrowheads="1" noChangeShapeType="1" noTextEdit="1"/>
+                    </p:cNvSpPr>
+                    <p:nvPr/>
+                  </p:nvSpPr>
+                  <p:spPr>
+                    <a:xfrm>
+                      <a:off x="7952197" y="3954676"/>
+                      <a:ext cx="271036" cy="369332"/>
+                    </a:xfrm>
+                    <a:prstGeom prst="rect">
+                      <a:avLst/>
+                    </a:prstGeom>
+                    <a:blipFill>
+                      <a:blip r:embed="rId5"/>
+                      <a:stretch>
+                        <a:fillRect l="-22727" r="-22727" b="-6667"/>
+                      </a:stretch>
+                    </a:blipFill>
+                  </p:spPr>
+                  <p:txBody>
+                    <a:bodyPr/>
+                    <a:lstStyle/>
+                    <a:p>
+                      <a:r>
+                        <a:rPr lang="zh-TW" altLang="en-US">
+                          <a:noFill/>
+                        </a:rPr>
+                        <a:t> </a:t>
+                      </a:r>
+                    </a:p>
+                  </p:txBody>
+                </p:sp>
+              </mc:Fallback>
+            </mc:AlternateContent>
+            <p:sp>
+              <p:nvSpPr>
+                <p:cNvPr id="11" name="弧線 10">
+                  <a:extLst>
+                    <a:ext uri="{FF2B5EF4-FFF2-40B4-BE49-F238E27FC236}">
+                      <a16:creationId xmlns:a16="http://schemas.microsoft.com/office/drawing/2014/main" id="{6BEA5FC2-1561-ABB3-6FF0-3DED513CBA4F}"/>
+                    </a:ext>
+                  </a:extLst>
+                </p:cNvPr>
+                <p:cNvSpPr>
+                  <a:spLocks noChangeAspect="1"/>
+                </p:cNvSpPr>
+                <p:nvPr/>
+              </p:nvSpPr>
+              <p:spPr>
+                <a:xfrm flipH="1">
+                  <a:off x="7448159" y="4821154"/>
+                  <a:ext cx="1279253" cy="1279253"/>
+                </a:xfrm>
+                <a:prstGeom prst="arc">
+                  <a:avLst>
+                    <a:gd name="adj1" fmla="val 16066500"/>
+                    <a:gd name="adj2" fmla="val 21022604"/>
+                  </a:avLst>
+                </a:prstGeom>
+                <a:ln w="38100">
+                  <a:solidFill>
+                    <a:schemeClr val="tx1"/>
+                  </a:solidFill>
+                  <a:headEnd type="none"/>
+                  <a:tailEnd type="triangle" w="lg" len="lg"/>
+                </a:ln>
+              </p:spPr>
+              <p:style>
+                <a:lnRef idx="1">
+                  <a:schemeClr val="accent1"/>
+                </a:lnRef>
+                <a:fillRef idx="0">
+                  <a:schemeClr val="accent1"/>
+                </a:fillRef>
+                <a:effectRef idx="0">
+                  <a:schemeClr val="accent1"/>
+                </a:effectRef>
+                <a:fontRef idx="minor">
+                  <a:schemeClr val="tx1"/>
+                </a:fontRef>
+              </p:style>
+              <p:txBody>
+                <a:bodyPr rtlCol="0" anchor="ctr"/>
+                <a:lstStyle/>
+                <a:p>
+                  <a:pPr algn="ctr"/>
+                  <a:endParaRPr kumimoji="1" lang="zh-TW" altLang="en-US"/>
+                </a:p>
+              </p:txBody>
+            </p:sp>
+            <mc:AlternateContent xmlns:mc="http://schemas.openxmlformats.org/markup-compatibility/2006" xmlns:a14="http://schemas.microsoft.com/office/drawing/2010/main">
+              <mc:Choice Requires="a14">
+                <p:sp>
+                  <p:nvSpPr>
+                    <p:cNvPr id="12" name="文字方塊 11">
+                      <a:extLst>
+                        <a:ext uri="{FF2B5EF4-FFF2-40B4-BE49-F238E27FC236}">
+                          <a16:creationId xmlns:a16="http://schemas.microsoft.com/office/drawing/2014/main" id="{7D95B876-EEB3-C4AF-453A-6D5261760AC2}"/>
+                        </a:ext>
+                      </a:extLst>
+                    </p:cNvPr>
+                    <p:cNvSpPr txBox="1"/>
+                    <p:nvPr/>
+                  </p:nvSpPr>
+                  <p:spPr>
+                    <a:xfrm>
+                      <a:off x="7443546" y="4556534"/>
+                      <a:ext cx="298480" cy="369332"/>
+                    </a:xfrm>
+                    <a:prstGeom prst="rect">
+                      <a:avLst/>
+                    </a:prstGeom>
+                    <a:noFill/>
+                  </p:spPr>
+                  <p:txBody>
+                    <a:bodyPr wrap="none" lIns="0" tIns="0" rIns="0" bIns="0" rtlCol="0">
+                      <a:spAutoFit/>
+                    </a:bodyPr>
+                    <a:lstStyle/>
+                    <a:p>
+                      <a:pPr/>
+                      <a14:m>
+                        <m:oMathPara xmlns:m="http://schemas.openxmlformats.org/officeDocument/2006/math">
+                          <m:oMathParaPr>
+                            <m:jc m:val="centerGroup"/>
+                          </m:oMathParaPr>
+                          <m:oMath xmlns:m="http://schemas.openxmlformats.org/officeDocument/2006/math">
+                            <m:r>
+                              <a:rPr kumimoji="1" lang="en-US" altLang="zh-TW" sz="2400" b="0" i="1" smtClean="0">
+                                <a:latin typeface="Cambria Math" panose="02040503050406030204" pitchFamily="18" charset="0"/>
+                                <a:ea typeface="Cambria Math" panose="02040503050406030204" pitchFamily="18" charset="0"/>
+                              </a:rPr>
+                              <m:t>𝜔</m:t>
+                            </m:r>
+                          </m:oMath>
+                        </m:oMathPara>
+                      </a14:m>
+                      <a:endParaRPr kumimoji="1" lang="zh-TW" altLang="en-US" sz="2400" dirty="0"/>
+                    </a:p>
+                  </p:txBody>
+                </p:sp>
+              </mc:Choice>
+              <mc:Fallback xmlns="">
+                <p:sp>
+                  <p:nvSpPr>
+                    <p:cNvPr id="58" name="文字方塊 57">
+                      <a:extLst>
+                        <a:ext uri="{FF2B5EF4-FFF2-40B4-BE49-F238E27FC236}">
+                          <a16:creationId xmlns:a16="http://schemas.microsoft.com/office/drawing/2014/main" id="{E61813D5-2D5D-55B7-231A-B491340C4AA0}"/>
+                        </a:ext>
+                      </a:extLst>
+                    </p:cNvPr>
+                    <p:cNvSpPr txBox="1">
+                      <a:spLocks noRot="1" noChangeAspect="1" noMove="1" noResize="1" noEditPoints="1" noAdjustHandles="1" noChangeArrowheads="1" noChangeShapeType="1" noTextEdit="1"/>
+                    </p:cNvSpPr>
+                    <p:nvPr/>
+                  </p:nvSpPr>
+                  <p:spPr>
+                    <a:xfrm>
+                      <a:off x="7443546" y="4556534"/>
+                      <a:ext cx="298480" cy="369332"/>
+                    </a:xfrm>
+                    <a:prstGeom prst="rect">
+                      <a:avLst/>
+                    </a:prstGeom>
+                    <a:blipFill>
+                      <a:blip r:embed="rId4"/>
+                      <a:stretch>
+                        <a:fillRect l="-12000" r="-8000"/>
+                      </a:stretch>
+                    </a:blipFill>
+                  </p:spPr>
+                  <p:txBody>
+                    <a:bodyPr/>
+                    <a:lstStyle/>
+                    <a:p>
+                      <a:r>
+                        <a:rPr lang="zh-TW" altLang="en-US">
+                          <a:noFill/>
+                        </a:rPr>
+                        <a:t> </a:t>
+                      </a:r>
+                    </a:p>
+                  </p:txBody>
+                </p:sp>
+              </mc:Fallback>
+            </mc:AlternateContent>
+          </p:grpSp>
+        </p:grpSp>
+      </p:grpSp>
     </p:spTree>
     <p:extLst>
       <p:ext uri="{BB962C8B-B14F-4D97-AF65-F5344CB8AC3E}">
@@ -16041,7 +18186,7 @@
 </p:sld>
 </file>
 
-<file path=ppt/slides/slide3.xml><?xml version="1.0" encoding="utf-8"?>
+<file path=ppt/slides/slide4.xml><?xml version="1.0" encoding="utf-8"?>
 <p:sld xmlns:a="http://schemas.openxmlformats.org/drawingml/2006/main" xmlns:r="http://schemas.openxmlformats.org/officeDocument/2006/relationships" xmlns:p="http://schemas.openxmlformats.org/presentationml/2006/main">
   <p:cSld>
     <p:spTree>
@@ -17927,7 +20072,7 @@
 </p:sld>
 </file>
 
-<file path=ppt/slides/slide4.xml><?xml version="1.0" encoding="utf-8"?>
+<file path=ppt/slides/slide5.xml><?xml version="1.0" encoding="utf-8"?>
 <p:sld xmlns:a="http://schemas.openxmlformats.org/drawingml/2006/main" xmlns:r="http://schemas.openxmlformats.org/officeDocument/2006/relationships" xmlns:p="http://schemas.openxmlformats.org/presentationml/2006/main">
   <p:cSld>
     <p:spTree>
@@ -18524,7 +20669,7 @@
 </p:sld>
 </file>
 
-<file path=ppt/slides/slide5.xml><?xml version="1.0" encoding="utf-8"?>
+<file path=ppt/slides/slide6.xml><?xml version="1.0" encoding="utf-8"?>
 <p:sld xmlns:a="http://schemas.openxmlformats.org/drawingml/2006/main" xmlns:r="http://schemas.openxmlformats.org/officeDocument/2006/relationships" xmlns:p="http://schemas.openxmlformats.org/presentationml/2006/main">
   <p:cSld>
     <p:spTree>
@@ -18755,7 +20900,7 @@
 </p:sld>
 </file>
 
-<file path=ppt/slides/slide6.xml><?xml version="1.0" encoding="utf-8"?>
+<file path=ppt/slides/slide7.xml><?xml version="1.0" encoding="utf-8"?>
 <p:sld xmlns:a="http://schemas.openxmlformats.org/drawingml/2006/main" xmlns:r="http://schemas.openxmlformats.org/officeDocument/2006/relationships" xmlns:p="http://schemas.openxmlformats.org/presentationml/2006/main">
   <p:cSld>
     <p:spTree>
@@ -19351,7 +21496,7 @@
 </p:sld>
 </file>
 
-<file path=ppt/slides/slide7.xml><?xml version="1.0" encoding="utf-8"?>
+<file path=ppt/slides/slide8.xml><?xml version="1.0" encoding="utf-8"?>
 <p:sld xmlns:a="http://schemas.openxmlformats.org/drawingml/2006/main" xmlns:r="http://schemas.openxmlformats.org/officeDocument/2006/relationships" xmlns:p="http://schemas.openxmlformats.org/presentationml/2006/main">
   <p:cSld>
     <p:spTree>
@@ -20634,7 +22779,7 @@
 </p:sld>
 </file>
 
-<file path=ppt/slides/slide8.xml><?xml version="1.0" encoding="utf-8"?>
+<file path=ppt/slides/slide9.xml><?xml version="1.0" encoding="utf-8"?>
 <p:sld xmlns:a="http://schemas.openxmlformats.org/drawingml/2006/main" xmlns:r="http://schemas.openxmlformats.org/officeDocument/2006/relationships" xmlns:p="http://schemas.openxmlformats.org/presentationml/2006/main">
   <p:cSld>
     <p:spTree>
@@ -22217,1531 +24362,6 @@
 </p:sld>
 </file>
 
-<file path=ppt/slides/slide9.xml><?xml version="1.0" encoding="utf-8"?>
-<p:sld xmlns:a="http://schemas.openxmlformats.org/drawingml/2006/main" xmlns:r="http://schemas.openxmlformats.org/officeDocument/2006/relationships" xmlns:p="http://schemas.openxmlformats.org/presentationml/2006/main">
-  <p:cSld>
-    <p:spTree>
-      <p:nvGrpSpPr>
-        <p:cNvPr id="1" name="">
-          <a:extLst>
-            <a:ext uri="{FF2B5EF4-FFF2-40B4-BE49-F238E27FC236}">
-              <a16:creationId xmlns:a16="http://schemas.microsoft.com/office/drawing/2014/main" id="{49B64AB0-0577-15C7-EC0B-355BD0669CFB}"/>
-            </a:ext>
-          </a:extLst>
-        </p:cNvPr>
-        <p:cNvGrpSpPr/>
-        <p:nvPr/>
-      </p:nvGrpSpPr>
-      <p:grpSpPr>
-        <a:xfrm>
-          <a:off x="0" y="0"/>
-          <a:ext cx="0" cy="0"/>
-          <a:chOff x="0" y="0"/>
-          <a:chExt cx="0" cy="0"/>
-        </a:xfrm>
-      </p:grpSpPr>
-      <p:grpSp>
-        <p:nvGrpSpPr>
-          <p:cNvPr id="9" name="群組 8">
-            <a:extLst>
-              <a:ext uri="{FF2B5EF4-FFF2-40B4-BE49-F238E27FC236}">
-                <a16:creationId xmlns:a16="http://schemas.microsoft.com/office/drawing/2014/main" id="{19B0C413-D31E-283D-2482-973FC1828B77}"/>
-              </a:ext>
-            </a:extLst>
-          </p:cNvPr>
-          <p:cNvGrpSpPr/>
-          <p:nvPr/>
-        </p:nvGrpSpPr>
-        <p:grpSpPr>
-          <a:xfrm>
-            <a:off x="2146005" y="0"/>
-            <a:ext cx="7879678" cy="7665862"/>
-            <a:chOff x="2146005" y="0"/>
-            <a:chExt cx="7879678" cy="7665862"/>
-          </a:xfrm>
-        </p:grpSpPr>
-        <p:grpSp>
-          <p:nvGrpSpPr>
-            <p:cNvPr id="48" name="群組 47">
-              <a:extLst>
-                <a:ext uri="{FF2B5EF4-FFF2-40B4-BE49-F238E27FC236}">
-                  <a16:creationId xmlns:a16="http://schemas.microsoft.com/office/drawing/2014/main" id="{F18251AB-4AB9-E434-6F9F-CA6DFA7A8668}"/>
-                </a:ext>
-              </a:extLst>
-            </p:cNvPr>
-            <p:cNvGrpSpPr/>
-            <p:nvPr/>
-          </p:nvGrpSpPr>
-          <p:grpSpPr>
-            <a:xfrm>
-              <a:off x="2146005" y="0"/>
-              <a:ext cx="7879678" cy="7665862"/>
-              <a:chOff x="2151083" y="-305101"/>
-              <a:chExt cx="7879678" cy="7665862"/>
-            </a:xfrm>
-          </p:grpSpPr>
-          <p:grpSp>
-            <p:nvGrpSpPr>
-              <p:cNvPr id="7" name="群組 6">
-                <a:extLst>
-                  <a:ext uri="{FF2B5EF4-FFF2-40B4-BE49-F238E27FC236}">
-                    <a16:creationId xmlns:a16="http://schemas.microsoft.com/office/drawing/2014/main" id="{CB46E6F2-835A-0C39-F09E-2FC74217556F}"/>
-                  </a:ext>
-                </a:extLst>
-              </p:cNvPr>
-              <p:cNvGrpSpPr/>
-              <p:nvPr/>
-            </p:nvGrpSpPr>
-            <p:grpSpPr>
-              <a:xfrm>
-                <a:off x="2151083" y="-305101"/>
-                <a:ext cx="7879678" cy="5144128"/>
-                <a:chOff x="157840" y="667356"/>
-                <a:chExt cx="7879678" cy="5144128"/>
-              </a:xfrm>
-            </p:grpSpPr>
-            <p:sp>
-              <p:nvSpPr>
-                <p:cNvPr id="2" name="不規則四邊形 1">
-                  <a:extLst>
-                    <a:ext uri="{FF2B5EF4-FFF2-40B4-BE49-F238E27FC236}">
-                      <a16:creationId xmlns:a16="http://schemas.microsoft.com/office/drawing/2014/main" id="{99501EEB-76C9-C51B-150F-981B46BB26D7}"/>
-                    </a:ext>
-                  </a:extLst>
-                </p:cNvPr>
-                <p:cNvSpPr/>
-                <p:nvPr/>
-              </p:nvSpPr>
-              <p:spPr>
-                <a:xfrm flipV="1">
-                  <a:off x="167995" y="667356"/>
-                  <a:ext cx="7869523" cy="5140624"/>
-                </a:xfrm>
-                <a:prstGeom prst="trapezoid">
-                  <a:avLst>
-                    <a:gd name="adj" fmla="val 0"/>
-                  </a:avLst>
-                </a:prstGeom>
-                <a:solidFill>
-                  <a:schemeClr val="tx1"/>
-                </a:solidFill>
-                <a:ln w="22225">
-                  <a:solidFill>
-                    <a:schemeClr val="accent1"/>
-                  </a:solidFill>
-                </a:ln>
-              </p:spPr>
-              <p:style>
-                <a:lnRef idx="2">
-                  <a:schemeClr val="accent1">
-                    <a:shade val="15000"/>
-                  </a:schemeClr>
-                </a:lnRef>
-                <a:fillRef idx="1">
-                  <a:schemeClr val="accent1"/>
-                </a:fillRef>
-                <a:effectRef idx="0">
-                  <a:schemeClr val="accent1"/>
-                </a:effectRef>
-                <a:fontRef idx="minor">
-                  <a:schemeClr val="lt1"/>
-                </a:fontRef>
-              </p:style>
-              <p:txBody>
-                <a:bodyPr rtlCol="0" anchor="ctr"/>
-                <a:lstStyle/>
-                <a:p>
-                  <a:pPr algn="ctr"/>
-                  <a:endParaRPr kumimoji="1" lang="zh-TW" altLang="en-US"/>
-                </a:p>
-              </p:txBody>
-            </p:sp>
-            <p:sp>
-              <p:nvSpPr>
-                <p:cNvPr id="5" name="不規則四邊形 4">
-                  <a:extLst>
-                    <a:ext uri="{FF2B5EF4-FFF2-40B4-BE49-F238E27FC236}">
-                      <a16:creationId xmlns:a16="http://schemas.microsoft.com/office/drawing/2014/main" id="{1F39555F-505A-EBBB-01ED-A09CA5DA24B9}"/>
-                    </a:ext>
-                  </a:extLst>
-                </p:cNvPr>
-                <p:cNvSpPr/>
-                <p:nvPr/>
-              </p:nvSpPr>
-              <p:spPr>
-                <a:xfrm flipV="1">
-                  <a:off x="157840" y="670860"/>
-                  <a:ext cx="7869523" cy="5140624"/>
-                </a:xfrm>
-                <a:prstGeom prst="trapezoid">
-                  <a:avLst>
-                    <a:gd name="adj" fmla="val 45669"/>
-                  </a:avLst>
-                </a:prstGeom>
-                <a:solidFill>
-                  <a:schemeClr val="bg1"/>
-                </a:solidFill>
-                <a:ln w="25400">
-                  <a:solidFill>
-                    <a:schemeClr val="tx1"/>
-                  </a:solidFill>
-                </a:ln>
-              </p:spPr>
-              <p:style>
-                <a:lnRef idx="2">
-                  <a:schemeClr val="accent1">
-                    <a:shade val="15000"/>
-                  </a:schemeClr>
-                </a:lnRef>
-                <a:fillRef idx="1">
-                  <a:schemeClr val="accent1"/>
-                </a:fillRef>
-                <a:effectRef idx="0">
-                  <a:schemeClr val="accent1"/>
-                </a:effectRef>
-                <a:fontRef idx="minor">
-                  <a:schemeClr val="lt1"/>
-                </a:fontRef>
-              </p:style>
-              <p:txBody>
-                <a:bodyPr rtlCol="0" anchor="ctr"/>
-                <a:lstStyle/>
-                <a:p>
-                  <a:pPr algn="ctr"/>
-                  <a:endParaRPr kumimoji="1" lang="zh-TW" altLang="en-US"/>
-                </a:p>
-              </p:txBody>
-            </p:sp>
-            <p:sp>
-              <p:nvSpPr>
-                <p:cNvPr id="20" name="文字方塊 19">
-                  <a:extLst>
-                    <a:ext uri="{FF2B5EF4-FFF2-40B4-BE49-F238E27FC236}">
-                      <a16:creationId xmlns:a16="http://schemas.microsoft.com/office/drawing/2014/main" id="{4524D3FC-D619-E5C7-CECC-0784CD56E7F6}"/>
-                    </a:ext>
-                  </a:extLst>
-                </p:cNvPr>
-                <p:cNvSpPr txBox="1"/>
-                <p:nvPr/>
-              </p:nvSpPr>
-              <p:spPr>
-                <a:xfrm>
-                  <a:off x="6568824" y="740450"/>
-                  <a:ext cx="1231106" cy="369332"/>
-                </a:xfrm>
-                <a:prstGeom prst="rect">
-                  <a:avLst/>
-                </a:prstGeom>
-                <a:noFill/>
-              </p:spPr>
-              <p:txBody>
-                <a:bodyPr wrap="none" lIns="0" tIns="0" rIns="0" bIns="0" rtlCol="0">
-                  <a:spAutoFit/>
-                </a:bodyPr>
-                <a:lstStyle/>
-                <a:p>
-                  <a:r>
-                    <a:rPr kumimoji="1" lang="zh-TW" altLang="en-US" sz="2400" dirty="0">
-                      <a:solidFill>
-                        <a:sysClr val="windowText" lastClr="000000"/>
-                      </a:solidFill>
-                      <a:latin typeface="SoukouMincho" panose="02000600000000000000" pitchFamily="2" charset="-128"/>
-                      <a:ea typeface="SoukouMincho" panose="02000600000000000000" pitchFamily="2" charset="-128"/>
-                    </a:rPr>
-                    <a:t>拍攝範圍</a:t>
-                  </a:r>
-                </a:p>
-              </p:txBody>
-            </p:sp>
-            <p:sp>
-              <p:nvSpPr>
-                <p:cNvPr id="4" name="文字方塊 3">
-                  <a:extLst>
-                    <a:ext uri="{FF2B5EF4-FFF2-40B4-BE49-F238E27FC236}">
-                      <a16:creationId xmlns:a16="http://schemas.microsoft.com/office/drawing/2014/main" id="{2CC770B5-8336-D82F-BFE0-716AD846BCB7}"/>
-                    </a:ext>
-                  </a:extLst>
-                </p:cNvPr>
-                <p:cNvSpPr txBox="1"/>
-                <p:nvPr/>
-              </p:nvSpPr>
-              <p:spPr>
-                <a:xfrm>
-                  <a:off x="5872927" y="5438649"/>
-                  <a:ext cx="2154436" cy="369332"/>
-                </a:xfrm>
-                <a:prstGeom prst="rect">
-                  <a:avLst/>
-                </a:prstGeom>
-                <a:noFill/>
-                <a:ln>
-                  <a:noFill/>
-                </a:ln>
-              </p:spPr>
-              <p:txBody>
-                <a:bodyPr wrap="none" lIns="0" tIns="0" rIns="0" bIns="0" rtlCol="0">
-                  <a:spAutoFit/>
-                </a:bodyPr>
-                <a:lstStyle/>
-                <a:p>
-                  <a:r>
-                    <a:rPr kumimoji="1" lang="zh-TW" altLang="en-US" sz="2400" dirty="0">
-                      <a:solidFill>
-                        <a:schemeClr val="accent1"/>
-                      </a:solidFill>
-                      <a:latin typeface="SoukouMincho" panose="02000600000000000000" pitchFamily="2" charset="-128"/>
-                      <a:ea typeface="SoukouMincho" panose="02000600000000000000" pitchFamily="2" charset="-128"/>
-                    </a:rPr>
-                    <a:t>透視變換後影像</a:t>
-                  </a:r>
-                </a:p>
-              </p:txBody>
-            </p:sp>
-            <p:sp>
-              <p:nvSpPr>
-                <p:cNvPr id="6" name="手繪多邊形 5">
-                  <a:extLst>
-                    <a:ext uri="{FF2B5EF4-FFF2-40B4-BE49-F238E27FC236}">
-                      <a16:creationId xmlns:a16="http://schemas.microsoft.com/office/drawing/2014/main" id="{EA3739FB-0329-0851-52EC-7E5C9DE18B91}"/>
-                    </a:ext>
-                  </a:extLst>
-                </p:cNvPr>
-                <p:cNvSpPr/>
-                <p:nvPr/>
-              </p:nvSpPr>
-              <p:spPr>
-                <a:xfrm rot="20553750">
-                  <a:off x="2774161" y="1030125"/>
-                  <a:ext cx="3478776" cy="4295561"/>
-                </a:xfrm>
-                <a:custGeom>
-                  <a:avLst/>
-                  <a:gdLst>
-                    <a:gd name="connsiteX0" fmla="*/ 49417 w 1117319"/>
-                    <a:gd name="connsiteY0" fmla="*/ 4560570 h 4560570"/>
-                    <a:gd name="connsiteX1" fmla="*/ 117997 w 1117319"/>
-                    <a:gd name="connsiteY1" fmla="*/ 2800350 h 4560570"/>
-                    <a:gd name="connsiteX2" fmla="*/ 1078117 w 1117319"/>
-                    <a:gd name="connsiteY2" fmla="*/ 1188720 h 4560570"/>
-                    <a:gd name="connsiteX3" fmla="*/ 918097 w 1117319"/>
-                    <a:gd name="connsiteY3" fmla="*/ 0 h 4560570"/>
-                  </a:gdLst>
-                  <a:ahLst/>
-                  <a:cxnLst>
-                    <a:cxn ang="0">
-                      <a:pos x="connsiteX0" y="connsiteY0"/>
-                    </a:cxn>
-                    <a:cxn ang="0">
-                      <a:pos x="connsiteX1" y="connsiteY1"/>
-                    </a:cxn>
-                    <a:cxn ang="0">
-                      <a:pos x="connsiteX2" y="connsiteY2"/>
-                    </a:cxn>
-                    <a:cxn ang="0">
-                      <a:pos x="connsiteX3" y="connsiteY3"/>
-                    </a:cxn>
-                  </a:cxnLst>
-                  <a:rect l="l" t="t" r="r" b="b"/>
-                  <a:pathLst>
-                    <a:path w="1117319" h="4560570">
-                      <a:moveTo>
-                        <a:pt x="49417" y="4560570"/>
-                      </a:moveTo>
-                      <a:cubicBezTo>
-                        <a:pt x="-2018" y="3961447"/>
-                        <a:pt x="-53453" y="3362325"/>
-                        <a:pt x="117997" y="2800350"/>
-                      </a:cubicBezTo>
-                      <a:cubicBezTo>
-                        <a:pt x="289447" y="2238375"/>
-                        <a:pt x="944767" y="1655445"/>
-                        <a:pt x="1078117" y="1188720"/>
-                      </a:cubicBezTo>
-                      <a:cubicBezTo>
-                        <a:pt x="1211467" y="721995"/>
-                        <a:pt x="965722" y="243840"/>
-                        <a:pt x="918097" y="0"/>
-                      </a:cubicBezTo>
-                    </a:path>
-                  </a:pathLst>
-                </a:custGeom>
-                <a:noFill/>
-                <a:ln w="50800">
-                  <a:solidFill>
-                    <a:schemeClr val="accent2"/>
-                  </a:solidFill>
-                </a:ln>
-              </p:spPr>
-              <p:style>
-                <a:lnRef idx="2">
-                  <a:schemeClr val="accent1">
-                    <a:shade val="15000"/>
-                  </a:schemeClr>
-                </a:lnRef>
-                <a:fillRef idx="1">
-                  <a:schemeClr val="accent1"/>
-                </a:fillRef>
-                <a:effectRef idx="0">
-                  <a:schemeClr val="accent1"/>
-                </a:effectRef>
-                <a:fontRef idx="minor">
-                  <a:schemeClr val="lt1"/>
-                </a:fontRef>
-              </p:style>
-              <p:txBody>
-                <a:bodyPr rtlCol="0" anchor="ctr"/>
-                <a:lstStyle/>
-                <a:p>
-                  <a:pPr algn="ctr"/>
-                  <a:endParaRPr kumimoji="1" lang="zh-TW" altLang="en-US" dirty="0"/>
-                </a:p>
-              </p:txBody>
-            </p:sp>
-          </p:grpSp>
-          <p:grpSp>
-            <p:nvGrpSpPr>
-              <p:cNvPr id="16" name="群組 15">
-                <a:extLst>
-                  <a:ext uri="{FF2B5EF4-FFF2-40B4-BE49-F238E27FC236}">
-                    <a16:creationId xmlns:a16="http://schemas.microsoft.com/office/drawing/2014/main" id="{3BD8E962-9283-A247-54A3-3199C7E8C9D9}"/>
-                  </a:ext>
-                </a:extLst>
-              </p:cNvPr>
-              <p:cNvGrpSpPr/>
-              <p:nvPr/>
-            </p:nvGrpSpPr>
-            <p:grpSpPr>
-              <a:xfrm>
-                <a:off x="5276994" y="5189376"/>
-                <a:ext cx="2297453" cy="2171385"/>
-                <a:chOff x="7750459" y="4289502"/>
-                <a:chExt cx="2297453" cy="2171385"/>
-              </a:xfrm>
-            </p:grpSpPr>
-            <p:grpSp>
-              <p:nvGrpSpPr>
-                <p:cNvPr id="17" name="群組 16">
-                  <a:extLst>
-                    <a:ext uri="{FF2B5EF4-FFF2-40B4-BE49-F238E27FC236}">
-                      <a16:creationId xmlns:a16="http://schemas.microsoft.com/office/drawing/2014/main" id="{0663A5ED-969C-5F26-3991-6D41BDB4569F}"/>
-                    </a:ext>
-                  </a:extLst>
-                </p:cNvPr>
-                <p:cNvGrpSpPr/>
-                <p:nvPr/>
-              </p:nvGrpSpPr>
-              <p:grpSpPr>
-                <a:xfrm>
-                  <a:off x="7750459" y="5136910"/>
-                  <a:ext cx="1631799" cy="1323977"/>
-                  <a:chOff x="9907630" y="2767011"/>
-                  <a:chExt cx="1631799" cy="1323977"/>
-                </a:xfrm>
-              </p:grpSpPr>
-              <p:sp>
-                <p:nvSpPr>
-                  <p:cNvPr id="26" name="矩形 25">
-                    <a:extLst>
-                      <a:ext uri="{FF2B5EF4-FFF2-40B4-BE49-F238E27FC236}">
-                        <a16:creationId xmlns:a16="http://schemas.microsoft.com/office/drawing/2014/main" id="{4C819442-C442-538F-CB43-738C1D5433FA}"/>
-                      </a:ext>
-                    </a:extLst>
-                  </p:cNvPr>
-                  <p:cNvSpPr/>
-                  <p:nvPr/>
-                </p:nvSpPr>
-                <p:spPr>
-                  <a:xfrm>
-                    <a:off x="10222649" y="2767011"/>
-                    <a:ext cx="1001761" cy="1323977"/>
-                  </a:xfrm>
-                  <a:prstGeom prst="rect">
-                    <a:avLst/>
-                  </a:prstGeom>
-                </p:spPr>
-                <p:style>
-                  <a:lnRef idx="2">
-                    <a:schemeClr val="dk1"/>
-                  </a:lnRef>
-                  <a:fillRef idx="1">
-                    <a:schemeClr val="lt1"/>
-                  </a:fillRef>
-                  <a:effectRef idx="0">
-                    <a:schemeClr val="dk1"/>
-                  </a:effectRef>
-                  <a:fontRef idx="minor">
-                    <a:schemeClr val="dk1"/>
-                  </a:fontRef>
-                </p:style>
-                <p:txBody>
-                  <a:bodyPr rtlCol="0" anchor="ctr"/>
-                  <a:lstStyle/>
-                  <a:p>
-                    <a:pPr algn="ctr"/>
-                    <a:endParaRPr kumimoji="1" lang="zh-TW" altLang="en-US"/>
-                  </a:p>
-                </p:txBody>
-              </p:sp>
-              <p:sp>
-                <p:nvSpPr>
-                  <p:cNvPr id="27" name="矩形 26">
-                    <a:extLst>
-                      <a:ext uri="{FF2B5EF4-FFF2-40B4-BE49-F238E27FC236}">
-                        <a16:creationId xmlns:a16="http://schemas.microsoft.com/office/drawing/2014/main" id="{3B1DADDF-64EB-CE06-5D00-433055E7901A}"/>
-                      </a:ext>
-                    </a:extLst>
-                  </p:cNvPr>
-                  <p:cNvSpPr/>
-                  <p:nvPr/>
-                </p:nvSpPr>
-                <p:spPr>
-                  <a:xfrm>
-                    <a:off x="11224410" y="2862244"/>
-                    <a:ext cx="315019" cy="478490"/>
-                  </a:xfrm>
-                  <a:prstGeom prst="rect">
-                    <a:avLst/>
-                  </a:prstGeom>
-                </p:spPr>
-                <p:style>
-                  <a:lnRef idx="2">
-                    <a:schemeClr val="dk1"/>
-                  </a:lnRef>
-                  <a:fillRef idx="1">
-                    <a:schemeClr val="lt1"/>
-                  </a:fillRef>
-                  <a:effectRef idx="0">
-                    <a:schemeClr val="dk1"/>
-                  </a:effectRef>
-                  <a:fontRef idx="minor">
-                    <a:schemeClr val="dk1"/>
-                  </a:fontRef>
-                </p:style>
-                <p:txBody>
-                  <a:bodyPr rtlCol="0" anchor="ctr"/>
-                  <a:lstStyle/>
-                  <a:p>
-                    <a:pPr algn="ctr"/>
-                    <a:endParaRPr kumimoji="1" lang="zh-TW" altLang="en-US"/>
-                  </a:p>
-                </p:txBody>
-              </p:sp>
-              <p:sp>
-                <p:nvSpPr>
-                  <p:cNvPr id="28" name="矩形 27">
-                    <a:extLst>
-                      <a:ext uri="{FF2B5EF4-FFF2-40B4-BE49-F238E27FC236}">
-                        <a16:creationId xmlns:a16="http://schemas.microsoft.com/office/drawing/2014/main" id="{9FA910BD-2868-FAAE-9BBF-47D2D1BFF12F}"/>
-                      </a:ext>
-                    </a:extLst>
-                  </p:cNvPr>
-                  <p:cNvSpPr/>
-                  <p:nvPr/>
-                </p:nvSpPr>
-                <p:spPr>
-                  <a:xfrm>
-                    <a:off x="11224410" y="3503328"/>
-                    <a:ext cx="315019" cy="478490"/>
-                  </a:xfrm>
-                  <a:prstGeom prst="rect">
-                    <a:avLst/>
-                  </a:prstGeom>
-                </p:spPr>
-                <p:style>
-                  <a:lnRef idx="2">
-                    <a:schemeClr val="dk1"/>
-                  </a:lnRef>
-                  <a:fillRef idx="1">
-                    <a:schemeClr val="lt1"/>
-                  </a:fillRef>
-                  <a:effectRef idx="0">
-                    <a:schemeClr val="dk1"/>
-                  </a:effectRef>
-                  <a:fontRef idx="minor">
-                    <a:schemeClr val="dk1"/>
-                  </a:fontRef>
-                </p:style>
-                <p:txBody>
-                  <a:bodyPr rtlCol="0" anchor="ctr"/>
-                  <a:lstStyle/>
-                  <a:p>
-                    <a:pPr algn="ctr"/>
-                    <a:endParaRPr kumimoji="1" lang="zh-TW" altLang="en-US" dirty="0"/>
-                  </a:p>
-                </p:txBody>
-              </p:sp>
-              <p:sp>
-                <p:nvSpPr>
-                  <p:cNvPr id="30" name="矩形 29">
-                    <a:extLst>
-                      <a:ext uri="{FF2B5EF4-FFF2-40B4-BE49-F238E27FC236}">
-                        <a16:creationId xmlns:a16="http://schemas.microsoft.com/office/drawing/2014/main" id="{F3939991-F104-F9FA-9643-4A38D20FAB10}"/>
-                      </a:ext>
-                    </a:extLst>
-                  </p:cNvPr>
-                  <p:cNvSpPr/>
-                  <p:nvPr/>
-                </p:nvSpPr>
-                <p:spPr>
-                  <a:xfrm>
-                    <a:off x="9907630" y="3503328"/>
-                    <a:ext cx="315019" cy="478490"/>
-                  </a:xfrm>
-                  <a:prstGeom prst="rect">
-                    <a:avLst/>
-                  </a:prstGeom>
-                </p:spPr>
-                <p:style>
-                  <a:lnRef idx="2">
-                    <a:schemeClr val="dk1"/>
-                  </a:lnRef>
-                  <a:fillRef idx="1">
-                    <a:schemeClr val="lt1"/>
-                  </a:fillRef>
-                  <a:effectRef idx="0">
-                    <a:schemeClr val="dk1"/>
-                  </a:effectRef>
-                  <a:fontRef idx="minor">
-                    <a:schemeClr val="dk1"/>
-                  </a:fontRef>
-                </p:style>
-                <p:txBody>
-                  <a:bodyPr rtlCol="0" anchor="ctr"/>
-                  <a:lstStyle/>
-                  <a:p>
-                    <a:pPr algn="ctr"/>
-                    <a:endParaRPr kumimoji="1" lang="zh-TW" altLang="en-US"/>
-                  </a:p>
-                </p:txBody>
-              </p:sp>
-              <p:sp>
-                <p:nvSpPr>
-                  <p:cNvPr id="47" name="矩形 46">
-                    <a:extLst>
-                      <a:ext uri="{FF2B5EF4-FFF2-40B4-BE49-F238E27FC236}">
-                        <a16:creationId xmlns:a16="http://schemas.microsoft.com/office/drawing/2014/main" id="{943D2EF6-A86B-8691-FBC4-429D3C55F22B}"/>
-                      </a:ext>
-                    </a:extLst>
-                  </p:cNvPr>
-                  <p:cNvSpPr/>
-                  <p:nvPr/>
-                </p:nvSpPr>
-                <p:spPr>
-                  <a:xfrm>
-                    <a:off x="9907630" y="2845985"/>
-                    <a:ext cx="315019" cy="478490"/>
-                  </a:xfrm>
-                  <a:prstGeom prst="rect">
-                    <a:avLst/>
-                  </a:prstGeom>
-                </p:spPr>
-                <p:style>
-                  <a:lnRef idx="2">
-                    <a:schemeClr val="dk1"/>
-                  </a:lnRef>
-                  <a:fillRef idx="1">
-                    <a:schemeClr val="lt1"/>
-                  </a:fillRef>
-                  <a:effectRef idx="0">
-                    <a:schemeClr val="dk1"/>
-                  </a:effectRef>
-                  <a:fontRef idx="minor">
-                    <a:schemeClr val="dk1"/>
-                  </a:fontRef>
-                </p:style>
-                <p:txBody>
-                  <a:bodyPr rtlCol="0" anchor="ctr"/>
-                  <a:lstStyle/>
-                  <a:p>
-                    <a:pPr algn="ctr"/>
-                    <a:endParaRPr kumimoji="1" lang="zh-TW" altLang="en-US"/>
-                  </a:p>
-                </p:txBody>
-              </p:sp>
-            </p:grpSp>
-            <p:grpSp>
-              <p:nvGrpSpPr>
-                <p:cNvPr id="18" name="群組 17">
-                  <a:extLst>
-                    <a:ext uri="{FF2B5EF4-FFF2-40B4-BE49-F238E27FC236}">
-                      <a16:creationId xmlns:a16="http://schemas.microsoft.com/office/drawing/2014/main" id="{9A37B07B-3A48-988C-15AE-9FF48527EF08}"/>
-                    </a:ext>
-                  </a:extLst>
-                </p:cNvPr>
-                <p:cNvGrpSpPr/>
-                <p:nvPr/>
-              </p:nvGrpSpPr>
-              <p:grpSpPr>
-                <a:xfrm>
-                  <a:off x="8450646" y="4289502"/>
-                  <a:ext cx="1597266" cy="1693232"/>
-                  <a:chOff x="7952197" y="3954676"/>
-                  <a:chExt cx="1597266" cy="1693232"/>
-                </a:xfrm>
-              </p:grpSpPr>
-              <p:cxnSp>
-                <p:nvCxnSpPr>
-                  <p:cNvPr id="19" name="直線接點 18">
-                    <a:extLst>
-                      <a:ext uri="{FF2B5EF4-FFF2-40B4-BE49-F238E27FC236}">
-                        <a16:creationId xmlns:a16="http://schemas.microsoft.com/office/drawing/2014/main" id="{C2DCAB1A-3D39-7218-ECCF-3DEC0EE1470D}"/>
-                      </a:ext>
-                    </a:extLst>
-                  </p:cNvPr>
-                  <p:cNvCxnSpPr>
-                    <a:cxnSpLocks/>
-                  </p:cNvCxnSpPr>
-                  <p:nvPr/>
-                </p:nvCxnSpPr>
-                <p:spPr>
-                  <a:xfrm flipH="1">
-                    <a:off x="8097589" y="5463242"/>
-                    <a:ext cx="807872" cy="0"/>
-                  </a:xfrm>
-                  <a:prstGeom prst="line">
-                    <a:avLst/>
-                  </a:prstGeom>
-                  <a:ln w="38100">
-                    <a:solidFill>
-                      <a:schemeClr val="tx1"/>
-                    </a:solidFill>
-                    <a:prstDash val="solid"/>
-                    <a:round/>
-                    <a:headEnd type="triangle" w="lg" len="lg"/>
-                    <a:tailEnd type="oval" w="med" len="med"/>
-                  </a:ln>
-                </p:spPr>
-                <p:style>
-                  <a:lnRef idx="1">
-                    <a:schemeClr val="accent1"/>
-                  </a:lnRef>
-                  <a:fillRef idx="0">
-                    <a:schemeClr val="accent1"/>
-                  </a:fillRef>
-                  <a:effectRef idx="0">
-                    <a:schemeClr val="accent1"/>
-                  </a:effectRef>
-                  <a:fontRef idx="minor">
-                    <a:schemeClr val="tx1"/>
-                  </a:fontRef>
-                </p:style>
-              </p:cxnSp>
-              <p:cxnSp>
-                <p:nvCxnSpPr>
-                  <p:cNvPr id="21" name="直線接點 20">
-                    <a:extLst>
-                      <a:ext uri="{FF2B5EF4-FFF2-40B4-BE49-F238E27FC236}">
-                        <a16:creationId xmlns:a16="http://schemas.microsoft.com/office/drawing/2014/main" id="{E7A61F5C-B7EE-D80E-7806-C6F95ED9BFF1}"/>
-                      </a:ext>
-                    </a:extLst>
-                  </p:cNvPr>
-                  <p:cNvCxnSpPr>
-                    <a:cxnSpLocks/>
-                  </p:cNvCxnSpPr>
-                  <p:nvPr/>
-                </p:nvCxnSpPr>
-                <p:spPr>
-                  <a:xfrm>
-                    <a:off x="8097589" y="4388491"/>
-                    <a:ext cx="0" cy="1074751"/>
-                  </a:xfrm>
-                  <a:prstGeom prst="line">
-                    <a:avLst/>
-                  </a:prstGeom>
-                  <a:ln w="38100">
-                    <a:solidFill>
-                      <a:schemeClr val="tx1"/>
-                    </a:solidFill>
-                    <a:prstDash val="solid"/>
-                    <a:round/>
-                    <a:headEnd type="triangle" w="lg" len="lg"/>
-                    <a:tailEnd type="oval" w="med" len="med"/>
-                  </a:ln>
-                </p:spPr>
-                <p:style>
-                  <a:lnRef idx="1">
-                    <a:schemeClr val="accent1"/>
-                  </a:lnRef>
-                  <a:fillRef idx="0">
-                    <a:schemeClr val="accent1"/>
-                  </a:fillRef>
-                  <a:effectRef idx="0">
-                    <a:schemeClr val="accent1"/>
-                  </a:effectRef>
-                  <a:fontRef idx="minor">
-                    <a:schemeClr val="tx1"/>
-                  </a:fontRef>
-                </p:style>
-              </p:cxnSp>
-              <mc:AlternateContent xmlns:mc="http://schemas.openxmlformats.org/markup-compatibility/2006" xmlns:a14="http://schemas.microsoft.com/office/drawing/2010/main">
-                <mc:Choice Requires="a14">
-                  <p:sp>
-                    <p:nvSpPr>
-                      <p:cNvPr id="22" name="文字方塊 21">
-                        <a:extLst>
-                          <a:ext uri="{FF2B5EF4-FFF2-40B4-BE49-F238E27FC236}">
-                            <a16:creationId xmlns:a16="http://schemas.microsoft.com/office/drawing/2014/main" id="{01AC7277-6112-5496-436B-7112B5A7EEE0}"/>
-                          </a:ext>
-                        </a:extLst>
-                      </p:cNvPr>
-                      <p:cNvSpPr txBox="1"/>
-                      <p:nvPr/>
-                    </p:nvSpPr>
-                    <p:spPr>
-                      <a:xfrm>
-                        <a:off x="8942694" y="5278576"/>
-                        <a:ext cx="606769" cy="369332"/>
-                      </a:xfrm>
-                      <a:prstGeom prst="rect">
-                        <a:avLst/>
-                      </a:prstGeom>
-                      <a:noFill/>
-                    </p:spPr>
-                    <p:txBody>
-                      <a:bodyPr wrap="none" lIns="0" tIns="0" rIns="0" bIns="0" rtlCol="0">
-                        <a:spAutoFit/>
-                      </a:bodyPr>
-                      <a:lstStyle/>
-                      <a:p>
-                        <a:pPr/>
-                        <a14:m>
-                          <m:oMathPara xmlns:m="http://schemas.openxmlformats.org/officeDocument/2006/math">
-                            <m:oMathParaPr>
-                              <m:jc m:val="centerGroup"/>
-                            </m:oMathParaPr>
-                            <m:oMath xmlns:m="http://schemas.openxmlformats.org/officeDocument/2006/math">
-                              <m:sSub>
-                                <m:sSubPr>
-                                  <m:ctrlPr>
-                                    <a:rPr kumimoji="1" lang="en-US" altLang="zh-TW" sz="2400" b="0" i="1" smtClean="0">
-                                      <a:latin typeface="Cambria Math" panose="02040503050406030204" pitchFamily="18" charset="0"/>
-                                    </a:rPr>
-                                  </m:ctrlPr>
-                                </m:sSubPr>
-                                <m:e>
-                                  <m:r>
-                                    <a:rPr kumimoji="1" lang="en-US" altLang="zh-TW" sz="2400" b="0" i="1" smtClean="0">
-                                      <a:latin typeface="Cambria Math" panose="02040503050406030204" pitchFamily="18" charset="0"/>
-                                    </a:rPr>
-                                    <m:t>𝑦</m:t>
-                                  </m:r>
-                                </m:e>
-                                <m:sub>
-                                  <m:r>
-                                    <a:rPr kumimoji="1" lang="en-US" altLang="zh-TW" sz="2400" b="0" i="1" smtClean="0">
-                                      <a:latin typeface="Cambria Math" panose="02040503050406030204" pitchFamily="18" charset="0"/>
-                                    </a:rPr>
-                                    <m:t>𝑐𝑎𝑟</m:t>
-                                  </m:r>
-                                </m:sub>
-                              </m:sSub>
-                            </m:oMath>
-                          </m:oMathPara>
-                        </a14:m>
-                        <a:endParaRPr kumimoji="1" lang="zh-TW" altLang="en-US" sz="2400" dirty="0"/>
-                      </a:p>
-                    </p:txBody>
-                  </p:sp>
-                </mc:Choice>
-                <mc:Fallback xmlns="">
-                  <p:sp>
-                    <p:nvSpPr>
-                      <p:cNvPr id="22" name="文字方塊 21">
-                        <a:extLst>
-                          <a:ext uri="{FF2B5EF4-FFF2-40B4-BE49-F238E27FC236}">
-                            <a16:creationId xmlns:a16="http://schemas.microsoft.com/office/drawing/2014/main" id="{01AC7277-6112-5496-436B-7112B5A7EEE0}"/>
-                          </a:ext>
-                        </a:extLst>
-                      </p:cNvPr>
-                      <p:cNvSpPr txBox="1">
-                        <a:spLocks noRot="1" noChangeAspect="1" noMove="1" noResize="1" noEditPoints="1" noAdjustHandles="1" noChangeArrowheads="1" noChangeShapeType="1" noTextEdit="1"/>
-                      </p:cNvSpPr>
-                      <p:nvPr/>
-                    </p:nvSpPr>
-                    <p:spPr>
-                      <a:xfrm>
-                        <a:off x="8942694" y="5278576"/>
-                        <a:ext cx="606769" cy="369332"/>
-                      </a:xfrm>
-                      <a:prstGeom prst="rect">
-                        <a:avLst/>
-                      </a:prstGeom>
-                      <a:blipFill>
-                        <a:blip r:embed="rId3"/>
-                        <a:stretch>
-                          <a:fillRect l="-12245" b="-27586"/>
-                        </a:stretch>
-                      </a:blipFill>
-                    </p:spPr>
-                    <p:txBody>
-                      <a:bodyPr/>
-                      <a:lstStyle/>
-                      <a:p>
-                        <a:r>
-                          <a:rPr lang="zh-TW" altLang="en-US">
-                            <a:noFill/>
-                          </a:rPr>
-                          <a:t> </a:t>
-                        </a:r>
-                      </a:p>
-                    </p:txBody>
-                  </p:sp>
-                </mc:Fallback>
-              </mc:AlternateContent>
-              <mc:AlternateContent xmlns:mc="http://schemas.openxmlformats.org/markup-compatibility/2006" xmlns:a14="http://schemas.microsoft.com/office/drawing/2010/main">
-                <mc:Choice Requires="a14">
-                  <p:sp>
-                    <p:nvSpPr>
-                      <p:cNvPr id="23" name="文字方塊 22">
-                        <a:extLst>
-                          <a:ext uri="{FF2B5EF4-FFF2-40B4-BE49-F238E27FC236}">
-                            <a16:creationId xmlns:a16="http://schemas.microsoft.com/office/drawing/2014/main" id="{1E2715B0-6810-4F26-E9E9-E6C4D47A5E99}"/>
-                          </a:ext>
-                        </a:extLst>
-                      </p:cNvPr>
-                      <p:cNvSpPr txBox="1"/>
-                      <p:nvPr/>
-                    </p:nvSpPr>
-                    <p:spPr>
-                      <a:xfrm>
-                        <a:off x="7952197" y="3954676"/>
-                        <a:ext cx="622799" cy="369332"/>
-                      </a:xfrm>
-                      <a:prstGeom prst="rect">
-                        <a:avLst/>
-                      </a:prstGeom>
-                      <a:noFill/>
-                    </p:spPr>
-                    <p:txBody>
-                      <a:bodyPr wrap="none" lIns="0" tIns="0" rIns="0" bIns="0" rtlCol="0">
-                        <a:spAutoFit/>
-                      </a:bodyPr>
-                      <a:lstStyle/>
-                      <a:p>
-                        <a:pPr/>
-                        <a14:m>
-                          <m:oMathPara xmlns:m="http://schemas.openxmlformats.org/officeDocument/2006/math">
-                            <m:oMathParaPr>
-                              <m:jc m:val="centerGroup"/>
-                            </m:oMathParaPr>
-                            <m:oMath xmlns:m="http://schemas.openxmlformats.org/officeDocument/2006/math">
-                              <m:sSub>
-                                <m:sSubPr>
-                                  <m:ctrlPr>
-                                    <a:rPr kumimoji="1" lang="en-US" altLang="zh-TW" sz="2400" b="0" i="1" smtClean="0">
-                                      <a:latin typeface="Cambria Math" panose="02040503050406030204" pitchFamily="18" charset="0"/>
-                                    </a:rPr>
-                                  </m:ctrlPr>
-                                </m:sSubPr>
-                                <m:e>
-                                  <m:r>
-                                    <a:rPr kumimoji="1" lang="en-US" altLang="zh-TW" sz="2400" b="0" i="1" smtClean="0">
-                                      <a:latin typeface="Cambria Math" panose="02040503050406030204" pitchFamily="18" charset="0"/>
-                                    </a:rPr>
-                                    <m:t>𝑥</m:t>
-                                  </m:r>
-                                </m:e>
-                                <m:sub>
-                                  <m:r>
-                                    <a:rPr kumimoji="1" lang="en-US" altLang="zh-TW" sz="2400" b="0" i="1" smtClean="0">
-                                      <a:latin typeface="Cambria Math" panose="02040503050406030204" pitchFamily="18" charset="0"/>
-                                    </a:rPr>
-                                    <m:t>𝑐𝑎𝑟</m:t>
-                                  </m:r>
-                                </m:sub>
-                              </m:sSub>
-                            </m:oMath>
-                          </m:oMathPara>
-                        </a14:m>
-                        <a:endParaRPr kumimoji="1" lang="zh-TW" altLang="en-US" sz="2400" dirty="0"/>
-                      </a:p>
-                    </p:txBody>
-                  </p:sp>
-                </mc:Choice>
-                <mc:Fallback xmlns="">
-                  <p:sp>
-                    <p:nvSpPr>
-                      <p:cNvPr id="23" name="文字方塊 22">
-                        <a:extLst>
-                          <a:ext uri="{FF2B5EF4-FFF2-40B4-BE49-F238E27FC236}">
-                            <a16:creationId xmlns:a16="http://schemas.microsoft.com/office/drawing/2014/main" id="{1E2715B0-6810-4F26-E9E9-E6C4D47A5E99}"/>
-                          </a:ext>
-                        </a:extLst>
-                      </p:cNvPr>
-                      <p:cNvSpPr txBox="1">
-                        <a:spLocks noRot="1" noChangeAspect="1" noMove="1" noResize="1" noEditPoints="1" noAdjustHandles="1" noChangeArrowheads="1" noChangeShapeType="1" noTextEdit="1"/>
-                      </p:cNvSpPr>
-                      <p:nvPr/>
-                    </p:nvSpPr>
-                    <p:spPr>
-                      <a:xfrm>
-                        <a:off x="7952197" y="3954676"/>
-                        <a:ext cx="622799" cy="369332"/>
-                      </a:xfrm>
-                      <a:prstGeom prst="rect">
-                        <a:avLst/>
-                      </a:prstGeom>
-                      <a:blipFill>
-                        <a:blip r:embed="rId4"/>
-                        <a:stretch>
-                          <a:fillRect l="-6000" b="-13333"/>
-                        </a:stretch>
-                      </a:blipFill>
-                    </p:spPr>
-                    <p:txBody>
-                      <a:bodyPr/>
-                      <a:lstStyle/>
-                      <a:p>
-                        <a:r>
-                          <a:rPr lang="zh-TW" altLang="en-US">
-                            <a:noFill/>
-                          </a:rPr>
-                          <a:t> </a:t>
-                        </a:r>
-                      </a:p>
-                    </p:txBody>
-                  </p:sp>
-                </mc:Fallback>
-              </mc:AlternateContent>
-            </p:grpSp>
-          </p:grpSp>
-        </p:grpSp>
-        <p:sp>
-          <p:nvSpPr>
-            <p:cNvPr id="3" name="框架 2">
-              <a:extLst>
-                <a:ext uri="{FF2B5EF4-FFF2-40B4-BE49-F238E27FC236}">
-                  <a16:creationId xmlns:a16="http://schemas.microsoft.com/office/drawing/2014/main" id="{4BAE980B-5DB5-21F2-A2F8-691C42AC11A2}"/>
-                </a:ext>
-              </a:extLst>
-            </p:cNvPr>
-            <p:cNvSpPr/>
-            <p:nvPr/>
-          </p:nvSpPr>
-          <p:spPr>
-            <a:xfrm>
-              <a:off x="4469626" y="4443274"/>
-              <a:ext cx="2032088" cy="382749"/>
-            </a:xfrm>
-            <a:prstGeom prst="frame">
-              <a:avLst/>
-            </a:prstGeom>
-            <a:solidFill>
-              <a:schemeClr val="accent6"/>
-            </a:solidFill>
-            <a:ln>
-              <a:solidFill>
-                <a:schemeClr val="accent6"/>
-              </a:solidFill>
-            </a:ln>
-          </p:spPr>
-          <p:style>
-            <a:lnRef idx="2">
-              <a:schemeClr val="accent1">
-                <a:shade val="15000"/>
-              </a:schemeClr>
-            </a:lnRef>
-            <a:fillRef idx="1">
-              <a:schemeClr val="accent1"/>
-            </a:fillRef>
-            <a:effectRef idx="0">
-              <a:schemeClr val="accent1"/>
-            </a:effectRef>
-            <a:fontRef idx="minor">
-              <a:schemeClr val="lt1"/>
-            </a:fontRef>
-          </p:style>
-          <p:txBody>
-            <a:bodyPr rtlCol="0" anchor="ctr"/>
-            <a:lstStyle/>
-            <a:p>
-              <a:pPr algn="ctr"/>
-              <a:endParaRPr kumimoji="1" lang="zh-TW" altLang="en-US" dirty="0">
-                <a:solidFill>
-                  <a:schemeClr val="tx1"/>
-                </a:solidFill>
-              </a:endParaRPr>
-            </a:p>
-          </p:txBody>
-        </p:sp>
-        <p:sp>
-          <p:nvSpPr>
-            <p:cNvPr id="8" name="框架 7">
-              <a:extLst>
-                <a:ext uri="{FF2B5EF4-FFF2-40B4-BE49-F238E27FC236}">
-                  <a16:creationId xmlns:a16="http://schemas.microsoft.com/office/drawing/2014/main" id="{E474E22E-A0E6-E99E-64DF-79B571B41FF9}"/>
-                </a:ext>
-              </a:extLst>
-            </p:cNvPr>
-            <p:cNvSpPr/>
-            <p:nvPr/>
-          </p:nvSpPr>
-          <p:spPr>
-            <a:xfrm>
-              <a:off x="4137650" y="4069943"/>
-              <a:ext cx="2032088" cy="382749"/>
-            </a:xfrm>
-            <a:prstGeom prst="frame">
-              <a:avLst/>
-            </a:prstGeom>
-            <a:solidFill>
-              <a:schemeClr val="accent6"/>
-            </a:solidFill>
-            <a:ln>
-              <a:solidFill>
-                <a:schemeClr val="accent6"/>
-              </a:solidFill>
-            </a:ln>
-          </p:spPr>
-          <p:style>
-            <a:lnRef idx="2">
-              <a:schemeClr val="accent1">
-                <a:shade val="15000"/>
-              </a:schemeClr>
-            </a:lnRef>
-            <a:fillRef idx="1">
-              <a:schemeClr val="accent1"/>
-            </a:fillRef>
-            <a:effectRef idx="0">
-              <a:schemeClr val="accent1"/>
-            </a:effectRef>
-            <a:fontRef idx="minor">
-              <a:schemeClr val="lt1"/>
-            </a:fontRef>
-          </p:style>
-          <p:txBody>
-            <a:bodyPr rtlCol="0" anchor="ctr"/>
-            <a:lstStyle/>
-            <a:p>
-              <a:pPr algn="ctr"/>
-              <a:endParaRPr kumimoji="1" lang="zh-TW" altLang="en-US" dirty="0">
-                <a:solidFill>
-                  <a:schemeClr val="tx1"/>
-                </a:solidFill>
-              </a:endParaRPr>
-            </a:p>
-          </p:txBody>
-        </p:sp>
-        <p:sp>
-          <p:nvSpPr>
-            <p:cNvPr id="14" name="框架 13">
-              <a:extLst>
-                <a:ext uri="{FF2B5EF4-FFF2-40B4-BE49-F238E27FC236}">
-                  <a16:creationId xmlns:a16="http://schemas.microsoft.com/office/drawing/2014/main" id="{8C29F04B-79D5-72CE-148E-83A4F9D47CBE}"/>
-                </a:ext>
-              </a:extLst>
-            </p:cNvPr>
-            <p:cNvSpPr/>
-            <p:nvPr/>
-          </p:nvSpPr>
-          <p:spPr>
-            <a:xfrm>
-              <a:off x="4076729" y="3712776"/>
-              <a:ext cx="2032088" cy="382749"/>
-            </a:xfrm>
-            <a:prstGeom prst="frame">
-              <a:avLst/>
-            </a:prstGeom>
-            <a:solidFill>
-              <a:schemeClr val="accent6"/>
-            </a:solidFill>
-            <a:ln>
-              <a:solidFill>
-                <a:schemeClr val="accent6"/>
-              </a:solidFill>
-            </a:ln>
-          </p:spPr>
-          <p:style>
-            <a:lnRef idx="2">
-              <a:schemeClr val="accent1">
-                <a:shade val="15000"/>
-              </a:schemeClr>
-            </a:lnRef>
-            <a:fillRef idx="1">
-              <a:schemeClr val="accent1"/>
-            </a:fillRef>
-            <a:effectRef idx="0">
-              <a:schemeClr val="accent1"/>
-            </a:effectRef>
-            <a:fontRef idx="minor">
-              <a:schemeClr val="lt1"/>
-            </a:fontRef>
-          </p:style>
-          <p:txBody>
-            <a:bodyPr rtlCol="0" anchor="ctr"/>
-            <a:lstStyle/>
-            <a:p>
-              <a:pPr algn="ctr"/>
-              <a:endParaRPr kumimoji="1" lang="zh-TW" altLang="en-US" dirty="0">
-                <a:solidFill>
-                  <a:schemeClr val="tx1"/>
-                </a:solidFill>
-              </a:endParaRPr>
-            </a:p>
-          </p:txBody>
-        </p:sp>
-        <p:sp>
-          <p:nvSpPr>
-            <p:cNvPr id="15" name="框架 14">
-              <a:extLst>
-                <a:ext uri="{FF2B5EF4-FFF2-40B4-BE49-F238E27FC236}">
-                  <a16:creationId xmlns:a16="http://schemas.microsoft.com/office/drawing/2014/main" id="{D5101F6B-04A2-6782-E8CF-A0BFBAB5E5C8}"/>
-                </a:ext>
-              </a:extLst>
-            </p:cNvPr>
-            <p:cNvSpPr/>
-            <p:nvPr/>
-          </p:nvSpPr>
-          <p:spPr>
-            <a:xfrm>
-              <a:off x="4251414" y="3321688"/>
-              <a:ext cx="2032088" cy="382749"/>
-            </a:xfrm>
-            <a:prstGeom prst="frame">
-              <a:avLst/>
-            </a:prstGeom>
-            <a:solidFill>
-              <a:schemeClr val="accent6"/>
-            </a:solidFill>
-            <a:ln>
-              <a:solidFill>
-                <a:schemeClr val="accent6"/>
-              </a:solidFill>
-            </a:ln>
-          </p:spPr>
-          <p:style>
-            <a:lnRef idx="2">
-              <a:schemeClr val="accent1">
-                <a:shade val="15000"/>
-              </a:schemeClr>
-            </a:lnRef>
-            <a:fillRef idx="1">
-              <a:schemeClr val="accent1"/>
-            </a:fillRef>
-            <a:effectRef idx="0">
-              <a:schemeClr val="accent1"/>
-            </a:effectRef>
-            <a:fontRef idx="minor">
-              <a:schemeClr val="lt1"/>
-            </a:fontRef>
-          </p:style>
-          <p:txBody>
-            <a:bodyPr rtlCol="0" anchor="ctr"/>
-            <a:lstStyle/>
-            <a:p>
-              <a:pPr algn="ctr"/>
-              <a:endParaRPr kumimoji="1" lang="zh-TW" altLang="en-US" dirty="0">
-                <a:solidFill>
-                  <a:schemeClr val="tx1"/>
-                </a:solidFill>
-              </a:endParaRPr>
-            </a:p>
-          </p:txBody>
-        </p:sp>
-        <p:sp>
-          <p:nvSpPr>
-            <p:cNvPr id="24" name="框架 23">
-              <a:extLst>
-                <a:ext uri="{FF2B5EF4-FFF2-40B4-BE49-F238E27FC236}">
-                  <a16:creationId xmlns:a16="http://schemas.microsoft.com/office/drawing/2014/main" id="{3EC619B4-0248-E1BF-378C-C3D3DB3A3815}"/>
-                </a:ext>
-              </a:extLst>
-            </p:cNvPr>
-            <p:cNvSpPr/>
-            <p:nvPr/>
-          </p:nvSpPr>
-          <p:spPr>
-            <a:xfrm>
-              <a:off x="4587330" y="2933474"/>
-              <a:ext cx="2032088" cy="382749"/>
-            </a:xfrm>
-            <a:prstGeom prst="frame">
-              <a:avLst/>
-            </a:prstGeom>
-            <a:solidFill>
-              <a:schemeClr val="accent6"/>
-            </a:solidFill>
-            <a:ln>
-              <a:solidFill>
-                <a:schemeClr val="accent6"/>
-              </a:solidFill>
-            </a:ln>
-          </p:spPr>
-          <p:style>
-            <a:lnRef idx="2">
-              <a:schemeClr val="accent1">
-                <a:shade val="15000"/>
-              </a:schemeClr>
-            </a:lnRef>
-            <a:fillRef idx="1">
-              <a:schemeClr val="accent1"/>
-            </a:fillRef>
-            <a:effectRef idx="0">
-              <a:schemeClr val="accent1"/>
-            </a:effectRef>
-            <a:fontRef idx="minor">
-              <a:schemeClr val="lt1"/>
-            </a:fontRef>
-          </p:style>
-          <p:txBody>
-            <a:bodyPr rtlCol="0" anchor="ctr"/>
-            <a:lstStyle/>
-            <a:p>
-              <a:pPr algn="ctr"/>
-              <a:endParaRPr kumimoji="1" lang="zh-TW" altLang="en-US" dirty="0">
-                <a:solidFill>
-                  <a:schemeClr val="tx1"/>
-                </a:solidFill>
-              </a:endParaRPr>
-            </a:p>
-          </p:txBody>
-        </p:sp>
-        <p:sp>
-          <p:nvSpPr>
-            <p:cNvPr id="25" name="框架 24">
-              <a:extLst>
-                <a:ext uri="{FF2B5EF4-FFF2-40B4-BE49-F238E27FC236}">
-                  <a16:creationId xmlns:a16="http://schemas.microsoft.com/office/drawing/2014/main" id="{D2CFD77B-E89F-509E-E20B-862620D527FF}"/>
-                </a:ext>
-              </a:extLst>
-            </p:cNvPr>
-            <p:cNvSpPr/>
-            <p:nvPr/>
-          </p:nvSpPr>
-          <p:spPr>
-            <a:xfrm>
-              <a:off x="4871627" y="2601936"/>
-              <a:ext cx="2032088" cy="382749"/>
-            </a:xfrm>
-            <a:prstGeom prst="frame">
-              <a:avLst/>
-            </a:prstGeom>
-            <a:solidFill>
-              <a:schemeClr val="accent6"/>
-            </a:solidFill>
-            <a:ln>
-              <a:solidFill>
-                <a:schemeClr val="accent6"/>
-              </a:solidFill>
-            </a:ln>
-          </p:spPr>
-          <p:style>
-            <a:lnRef idx="2">
-              <a:schemeClr val="accent1">
-                <a:shade val="15000"/>
-              </a:schemeClr>
-            </a:lnRef>
-            <a:fillRef idx="1">
-              <a:schemeClr val="accent1"/>
-            </a:fillRef>
-            <a:effectRef idx="0">
-              <a:schemeClr val="accent1"/>
-            </a:effectRef>
-            <a:fontRef idx="minor">
-              <a:schemeClr val="lt1"/>
-            </a:fontRef>
-          </p:style>
-          <p:txBody>
-            <a:bodyPr rtlCol="0" anchor="ctr"/>
-            <a:lstStyle/>
-            <a:p>
-              <a:pPr algn="ctr"/>
-              <a:endParaRPr kumimoji="1" lang="zh-TW" altLang="en-US" dirty="0">
-                <a:solidFill>
-                  <a:schemeClr val="tx1"/>
-                </a:solidFill>
-              </a:endParaRPr>
-            </a:p>
-          </p:txBody>
-        </p:sp>
-        <p:sp>
-          <p:nvSpPr>
-            <p:cNvPr id="29" name="框架 28">
-              <a:extLst>
-                <a:ext uri="{FF2B5EF4-FFF2-40B4-BE49-F238E27FC236}">
-                  <a16:creationId xmlns:a16="http://schemas.microsoft.com/office/drawing/2014/main" id="{65FE3C41-AC7E-2816-4371-B72CE943E6DC}"/>
-                </a:ext>
-              </a:extLst>
-            </p:cNvPr>
-            <p:cNvSpPr/>
-            <p:nvPr/>
-          </p:nvSpPr>
-          <p:spPr>
-            <a:xfrm>
-              <a:off x="5233896" y="2233954"/>
-              <a:ext cx="2032088" cy="382749"/>
-            </a:xfrm>
-            <a:prstGeom prst="frame">
-              <a:avLst/>
-            </a:prstGeom>
-            <a:solidFill>
-              <a:schemeClr val="accent6"/>
-            </a:solidFill>
-            <a:ln>
-              <a:solidFill>
-                <a:schemeClr val="accent6"/>
-              </a:solidFill>
-            </a:ln>
-          </p:spPr>
-          <p:style>
-            <a:lnRef idx="2">
-              <a:schemeClr val="accent1">
-                <a:shade val="15000"/>
-              </a:schemeClr>
-            </a:lnRef>
-            <a:fillRef idx="1">
-              <a:schemeClr val="accent1"/>
-            </a:fillRef>
-            <a:effectRef idx="0">
-              <a:schemeClr val="accent1"/>
-            </a:effectRef>
-            <a:fontRef idx="minor">
-              <a:schemeClr val="lt1"/>
-            </a:fontRef>
-          </p:style>
-          <p:txBody>
-            <a:bodyPr rtlCol="0" anchor="ctr"/>
-            <a:lstStyle/>
-            <a:p>
-              <a:pPr algn="ctr"/>
-              <a:endParaRPr kumimoji="1" lang="zh-TW" altLang="en-US" dirty="0">
-                <a:solidFill>
-                  <a:schemeClr val="tx1"/>
-                </a:solidFill>
-              </a:endParaRPr>
-            </a:p>
-          </p:txBody>
-        </p:sp>
-        <p:sp>
-          <p:nvSpPr>
-            <p:cNvPr id="31" name="框架 30">
-              <a:extLst>
-                <a:ext uri="{FF2B5EF4-FFF2-40B4-BE49-F238E27FC236}">
-                  <a16:creationId xmlns:a16="http://schemas.microsoft.com/office/drawing/2014/main" id="{4A22478A-50FE-D9D2-1194-1A538441B1B0}"/>
-                </a:ext>
-              </a:extLst>
-            </p:cNvPr>
-            <p:cNvSpPr/>
-            <p:nvPr/>
-          </p:nvSpPr>
-          <p:spPr>
-            <a:xfrm>
-              <a:off x="5746916" y="1876787"/>
-              <a:ext cx="2032088" cy="382749"/>
-            </a:xfrm>
-            <a:prstGeom prst="frame">
-              <a:avLst/>
-            </a:prstGeom>
-            <a:solidFill>
-              <a:schemeClr val="accent6"/>
-            </a:solidFill>
-            <a:ln>
-              <a:solidFill>
-                <a:schemeClr val="accent6"/>
-              </a:solidFill>
-            </a:ln>
-          </p:spPr>
-          <p:style>
-            <a:lnRef idx="2">
-              <a:schemeClr val="accent1">
-                <a:shade val="15000"/>
-              </a:schemeClr>
-            </a:lnRef>
-            <a:fillRef idx="1">
-              <a:schemeClr val="accent1"/>
-            </a:fillRef>
-            <a:effectRef idx="0">
-              <a:schemeClr val="accent1"/>
-            </a:effectRef>
-            <a:fontRef idx="minor">
-              <a:schemeClr val="lt1"/>
-            </a:fontRef>
-          </p:style>
-          <p:txBody>
-            <a:bodyPr rtlCol="0" anchor="ctr"/>
-            <a:lstStyle/>
-            <a:p>
-              <a:pPr algn="ctr"/>
-              <a:endParaRPr kumimoji="1" lang="zh-TW" altLang="en-US" dirty="0">
-                <a:solidFill>
-                  <a:schemeClr val="tx1"/>
-                </a:solidFill>
-              </a:endParaRPr>
-            </a:p>
-          </p:txBody>
-        </p:sp>
-        <p:sp>
-          <p:nvSpPr>
-            <p:cNvPr id="32" name="框架 31">
-              <a:extLst>
-                <a:ext uri="{FF2B5EF4-FFF2-40B4-BE49-F238E27FC236}">
-                  <a16:creationId xmlns:a16="http://schemas.microsoft.com/office/drawing/2014/main" id="{16D99E45-877F-D093-AD12-2DB862556A5F}"/>
-                </a:ext>
-              </a:extLst>
-            </p:cNvPr>
-            <p:cNvSpPr/>
-            <p:nvPr/>
-          </p:nvSpPr>
-          <p:spPr>
-            <a:xfrm>
-              <a:off x="6210835" y="1520626"/>
-              <a:ext cx="2032088" cy="382749"/>
-            </a:xfrm>
-            <a:prstGeom prst="frame">
-              <a:avLst/>
-            </a:prstGeom>
-            <a:solidFill>
-              <a:schemeClr val="accent6"/>
-            </a:solidFill>
-            <a:ln>
-              <a:solidFill>
-                <a:schemeClr val="accent6"/>
-              </a:solidFill>
-            </a:ln>
-          </p:spPr>
-          <p:style>
-            <a:lnRef idx="2">
-              <a:schemeClr val="accent1">
-                <a:shade val="15000"/>
-              </a:schemeClr>
-            </a:lnRef>
-            <a:fillRef idx="1">
-              <a:schemeClr val="accent1"/>
-            </a:fillRef>
-            <a:effectRef idx="0">
-              <a:schemeClr val="accent1"/>
-            </a:effectRef>
-            <a:fontRef idx="minor">
-              <a:schemeClr val="lt1"/>
-            </a:fontRef>
-          </p:style>
-          <p:txBody>
-            <a:bodyPr rtlCol="0" anchor="ctr"/>
-            <a:lstStyle/>
-            <a:p>
-              <a:pPr algn="ctr"/>
-              <a:endParaRPr kumimoji="1" lang="zh-TW" altLang="en-US" dirty="0">
-                <a:solidFill>
-                  <a:schemeClr val="tx1"/>
-                </a:solidFill>
-              </a:endParaRPr>
-            </a:p>
-          </p:txBody>
-        </p:sp>
-      </p:grpSp>
-    </p:spTree>
-    <p:extLst>
-      <p:ext uri="{BB962C8B-B14F-4D97-AF65-F5344CB8AC3E}">
-        <p14:creationId xmlns:p14="http://schemas.microsoft.com/office/powerpoint/2010/main" val="854143223"/>
-      </p:ext>
-    </p:extLst>
-  </p:cSld>
-  <p:clrMapOvr>
-    <a:masterClrMapping/>
-  </p:clrMapOvr>
-</p:sld>
-</file>
-
 <file path=ppt/theme/theme1.xml><?xml version="1.0" encoding="utf-8"?>
 <a:theme xmlns:a="http://schemas.openxmlformats.org/drawingml/2006/main" name="Office 佈景主題">
   <a:themeElements>
